--- a/Presentation_What drives parent’s decisions when choosing a name.pptx
+++ b/Presentation_What drives parent’s decisions when choosing a name.pptx
@@ -17,18 +17,22 @@
     <p:sldId id="270" r:id="rId11"/>
     <p:sldId id="290" r:id="rId12"/>
     <p:sldId id="286" r:id="rId13"/>
-    <p:sldId id="274" r:id="rId14"/>
-    <p:sldId id="272" r:id="rId15"/>
-    <p:sldId id="282" r:id="rId16"/>
-    <p:sldId id="283" r:id="rId17"/>
-    <p:sldId id="291" r:id="rId18"/>
-    <p:sldId id="292" r:id="rId19"/>
-    <p:sldId id="277" r:id="rId20"/>
-    <p:sldId id="287" r:id="rId21"/>
-    <p:sldId id="288" r:id="rId22"/>
-    <p:sldId id="289" r:id="rId23"/>
-    <p:sldId id="263" r:id="rId24"/>
-    <p:sldId id="271" r:id="rId25"/>
+    <p:sldId id="293" r:id="rId14"/>
+    <p:sldId id="294" r:id="rId15"/>
+    <p:sldId id="295" r:id="rId16"/>
+    <p:sldId id="296" r:id="rId17"/>
+    <p:sldId id="274" r:id="rId18"/>
+    <p:sldId id="272" r:id="rId19"/>
+    <p:sldId id="282" r:id="rId20"/>
+    <p:sldId id="283" r:id="rId21"/>
+    <p:sldId id="291" r:id="rId22"/>
+    <p:sldId id="292" r:id="rId23"/>
+    <p:sldId id="277" r:id="rId24"/>
+    <p:sldId id="287" r:id="rId25"/>
+    <p:sldId id="288" r:id="rId26"/>
+    <p:sldId id="289" r:id="rId27"/>
+    <p:sldId id="263" r:id="rId28"/>
+    <p:sldId id="271" r:id="rId29"/>
   </p:sldIdLst>
   <p:sldSz cx="12192000" cy="6858000"/>
   <p:notesSz cx="6858000" cy="9144000"/>
@@ -316,7 +320,7 @@
           <a:p>
             <a:fld id="{CCDB3F03-7BAD-4B8F-91DC-EFAC7EDB9851}" type="datetimeFigureOut">
               <a:rPr lang="en-US" smtClean="0"/>
-              <a:t>9/13/2019</a:t>
+              <a:t>9/14/19</a:t>
             </a:fld>
             <a:endParaRPr lang="en-US"/>
           </a:p>
@@ -526,7 +530,7 @@
           <a:p>
             <a:fld id="{CCDB3F03-7BAD-4B8F-91DC-EFAC7EDB9851}" type="datetimeFigureOut">
               <a:rPr lang="en-US" smtClean="0"/>
-              <a:t>9/13/2019</a:t>
+              <a:t>9/14/19</a:t>
             </a:fld>
             <a:endParaRPr lang="en-US"/>
           </a:p>
@@ -746,7 +750,7 @@
           <a:p>
             <a:fld id="{CCDB3F03-7BAD-4B8F-91DC-EFAC7EDB9851}" type="datetimeFigureOut">
               <a:rPr lang="en-US" smtClean="0"/>
-              <a:t>9/13/2019</a:t>
+              <a:t>9/14/19</a:t>
             </a:fld>
             <a:endParaRPr lang="en-US"/>
           </a:p>
@@ -956,7 +960,7 @@
           <a:p>
             <a:fld id="{CCDB3F03-7BAD-4B8F-91DC-EFAC7EDB9851}" type="datetimeFigureOut">
               <a:rPr lang="en-US" smtClean="0"/>
-              <a:t>9/13/2019</a:t>
+              <a:t>9/14/19</a:t>
             </a:fld>
             <a:endParaRPr lang="en-US"/>
           </a:p>
@@ -1189,7 +1193,7 @@
           <a:p>
             <a:fld id="{CCDB3F03-7BAD-4B8F-91DC-EFAC7EDB9851}" type="datetimeFigureOut">
               <a:rPr lang="en-US" smtClean="0"/>
-              <a:t>9/13/2019</a:t>
+              <a:t>9/14/19</a:t>
             </a:fld>
             <a:endParaRPr lang="en-US"/>
           </a:p>
@@ -1466,7 +1470,7 @@
           <a:p>
             <a:fld id="{CCDB3F03-7BAD-4B8F-91DC-EFAC7EDB9851}" type="datetimeFigureOut">
               <a:rPr lang="en-US" smtClean="0"/>
-              <a:t>9/13/2019</a:t>
+              <a:t>9/14/19</a:t>
             </a:fld>
             <a:endParaRPr lang="en-US"/>
           </a:p>
@@ -1890,7 +1894,7 @@
           <a:p>
             <a:fld id="{CCDB3F03-7BAD-4B8F-91DC-EFAC7EDB9851}" type="datetimeFigureOut">
               <a:rPr lang="en-US" smtClean="0"/>
-              <a:t>9/13/2019</a:t>
+              <a:t>9/14/19</a:t>
             </a:fld>
             <a:endParaRPr lang="en-US"/>
           </a:p>
@@ -2043,7 +2047,7 @@
           <a:p>
             <a:fld id="{CCDB3F03-7BAD-4B8F-91DC-EFAC7EDB9851}" type="datetimeFigureOut">
               <a:rPr lang="en-US" smtClean="0"/>
-              <a:t>9/13/2019</a:t>
+              <a:t>9/14/19</a:t>
             </a:fld>
             <a:endParaRPr lang="en-US"/>
           </a:p>
@@ -2168,7 +2172,7 @@
           <a:p>
             <a:fld id="{CCDB3F03-7BAD-4B8F-91DC-EFAC7EDB9851}" type="datetimeFigureOut">
               <a:rPr lang="en-US" smtClean="0"/>
-              <a:t>9/13/2019</a:t>
+              <a:t>9/14/19</a:t>
             </a:fld>
             <a:endParaRPr lang="en-US"/>
           </a:p>
@@ -2491,7 +2495,7 @@
           <a:p>
             <a:fld id="{CCDB3F03-7BAD-4B8F-91DC-EFAC7EDB9851}" type="datetimeFigureOut">
               <a:rPr lang="en-US" smtClean="0"/>
-              <a:t>9/13/2019</a:t>
+              <a:t>9/14/19</a:t>
             </a:fld>
             <a:endParaRPr lang="en-US"/>
           </a:p>
@@ -2794,7 +2798,7 @@
           <a:p>
             <a:fld id="{CCDB3F03-7BAD-4B8F-91DC-EFAC7EDB9851}" type="datetimeFigureOut">
               <a:rPr lang="en-US" smtClean="0"/>
-              <a:t>9/13/2019</a:t>
+              <a:t>9/14/19</a:t>
             </a:fld>
             <a:endParaRPr lang="en-US"/>
           </a:p>
@@ -3152,7 +3156,7 @@
           <a:p>
             <a:fld id="{CCDB3F03-7BAD-4B8F-91DC-EFAC7EDB9851}" type="datetimeFigureOut">
               <a:rPr lang="en-US" smtClean="0"/>
-              <a:t>9/13/2019</a:t>
+              <a:t>9/14/19</a:t>
             </a:fld>
             <a:endParaRPr lang="en-US"/>
           </a:p>
@@ -4228,7 +4232,7 @@
           <p:cNvPr id="2" name="Title 1">
             <a:extLst>
               <a:ext uri="{FF2B5EF4-FFF2-40B4-BE49-F238E27FC236}">
-                <a16:creationId xmlns:a16="http://schemas.microsoft.com/office/drawing/2014/main" id="{786FE2E5-DF8D-4799-8DC3-B8DF8D21F157}"/>
+                <a16:creationId xmlns:a16="http://schemas.microsoft.com/office/drawing/2014/main" id="{9EAF9434-34F4-B84C-B503-88EE1C5AF5EA}"/>
               </a:ext>
             </a:extLst>
           </p:cNvPr>
@@ -4239,12 +4243,7 @@
             <p:ph type="title"/>
           </p:nvPr>
         </p:nvSpPr>
-        <p:spPr>
-          <a:xfrm>
-            <a:off x="4770782" y="274638"/>
-            <a:ext cx="6811617" cy="1143000"/>
-          </a:xfrm>
-        </p:spPr>
+        <p:spPr/>
         <p:txBody>
           <a:bodyPr/>
           <a:lstStyle/>
@@ -4258,10 +4257,10 @@
       </p:sp>
       <p:pic>
         <p:nvPicPr>
-          <p:cNvPr id="7" name="Content Placeholder 4">
-            <a:extLst>
-              <a:ext uri="{FF2B5EF4-FFF2-40B4-BE49-F238E27FC236}">
-                <a16:creationId xmlns:a16="http://schemas.microsoft.com/office/drawing/2014/main" id="{8136C994-27EE-4F48-B129-9DC9FEB5AFAA}"/>
+          <p:cNvPr id="11" name="Content Placeholder 10">
+            <a:extLst>
+              <a:ext uri="{FF2B5EF4-FFF2-40B4-BE49-F238E27FC236}">
+                <a16:creationId xmlns:a16="http://schemas.microsoft.com/office/drawing/2014/main" id="{09B73654-1DED-CE42-908F-4AFF12A05C5E}"/>
               </a:ext>
             </a:extLst>
           </p:cNvPr>
@@ -4286,15 +4285,15 @@
         </p:blipFill>
         <p:spPr>
           <a:xfrm>
-            <a:off x="1640156" y="1900767"/>
-            <a:ext cx="8911687" cy="4836706"/>
+            <a:off x="2022633" y="1600200"/>
+            <a:ext cx="8146733" cy="4525963"/>
           </a:xfrm>
         </p:spPr>
       </p:pic>
     </p:spTree>
     <p:extLst>
       <p:ext uri="{BB962C8B-B14F-4D97-AF65-F5344CB8AC3E}">
-        <p14:creationId xmlns:p14="http://schemas.microsoft.com/office/powerpoint/2010/main" val="3314314667"/>
+        <p14:creationId xmlns:p14="http://schemas.microsoft.com/office/powerpoint/2010/main" val="1623664565"/>
       </p:ext>
     </p:extLst>
   </p:cSld>
@@ -4326,7 +4325,7 @@
           <p:cNvPr id="2" name="Title 1">
             <a:extLst>
               <a:ext uri="{FF2B5EF4-FFF2-40B4-BE49-F238E27FC236}">
-                <a16:creationId xmlns:a16="http://schemas.microsoft.com/office/drawing/2014/main" id="{786FE2E5-DF8D-4799-8DC3-B8DF8D21F157}"/>
+                <a16:creationId xmlns:a16="http://schemas.microsoft.com/office/drawing/2014/main" id="{9EAF9434-34F4-B84C-B503-88EE1C5AF5EA}"/>
               </a:ext>
             </a:extLst>
           </p:cNvPr>
@@ -4337,12 +4336,7 @@
             <p:ph type="title"/>
           </p:nvPr>
         </p:nvSpPr>
-        <p:spPr>
-          <a:xfrm>
-            <a:off x="4545496" y="274638"/>
-            <a:ext cx="7036904" cy="1143000"/>
-          </a:xfrm>
-        </p:spPr>
+        <p:spPr/>
         <p:txBody>
           <a:bodyPr/>
           <a:lstStyle/>
@@ -4356,10 +4350,10 @@
       </p:sp>
       <p:pic>
         <p:nvPicPr>
-          <p:cNvPr id="10" name="Content Placeholder 4">
-            <a:extLst>
-              <a:ext uri="{FF2B5EF4-FFF2-40B4-BE49-F238E27FC236}">
-                <a16:creationId xmlns:a16="http://schemas.microsoft.com/office/drawing/2014/main" id="{23F2CAA9-1DCB-4D24-8E8E-F95D5FB34AAB}"/>
+          <p:cNvPr id="8" name="Content Placeholder 7">
+            <a:extLst>
+              <a:ext uri="{FF2B5EF4-FFF2-40B4-BE49-F238E27FC236}">
+                <a16:creationId xmlns:a16="http://schemas.microsoft.com/office/drawing/2014/main" id="{13C1C64E-EE14-4C4B-A9E7-54064DA511E5}"/>
               </a:ext>
             </a:extLst>
           </p:cNvPr>
@@ -4384,15 +4378,15 @@
         </p:blipFill>
         <p:spPr>
           <a:xfrm>
-            <a:off x="1566408" y="1889347"/>
-            <a:ext cx="9059184" cy="4694015"/>
+            <a:off x="2022633" y="1600200"/>
+            <a:ext cx="8146733" cy="4525963"/>
           </a:xfrm>
         </p:spPr>
       </p:pic>
     </p:spTree>
     <p:extLst>
       <p:ext uri="{BB962C8B-B14F-4D97-AF65-F5344CB8AC3E}">
-        <p14:creationId xmlns:p14="http://schemas.microsoft.com/office/powerpoint/2010/main" val="2738893769"/>
+        <p14:creationId xmlns:p14="http://schemas.microsoft.com/office/powerpoint/2010/main" val="1151042309"/>
       </p:ext>
     </p:extLst>
   </p:cSld>
@@ -4424,7 +4418,7 @@
           <p:cNvPr id="2" name="Title 1">
             <a:extLst>
               <a:ext uri="{FF2B5EF4-FFF2-40B4-BE49-F238E27FC236}">
-                <a16:creationId xmlns:a16="http://schemas.microsoft.com/office/drawing/2014/main" id="{786FE2E5-DF8D-4799-8DC3-B8DF8D21F157}"/>
+                <a16:creationId xmlns:a16="http://schemas.microsoft.com/office/drawing/2014/main" id="{9EAF9434-34F4-B84C-B503-88EE1C5AF5EA}"/>
               </a:ext>
             </a:extLst>
           </p:cNvPr>
@@ -4435,41 +4429,24 @@
             <p:ph type="title"/>
           </p:nvPr>
         </p:nvSpPr>
-        <p:spPr>
-          <a:xfrm>
-            <a:off x="4505738" y="274638"/>
-            <a:ext cx="7076661" cy="1143000"/>
-          </a:xfrm>
-        </p:spPr>
+        <p:spPr/>
         <p:txBody>
           <a:bodyPr/>
           <a:lstStyle/>
           <a:p>
             <a:r>
               <a:rPr lang="en-US" dirty="0"/>
-              <a:t>Top </a:t>
-            </a:r>
-            <a:r>
-              <a:rPr lang="en-US" b="1" dirty="0">
-                <a:solidFill>
-                  <a:srgbClr val="FF0000"/>
-                </a:solidFill>
-              </a:rPr>
-              <a:t>Girl</a:t>
-            </a:r>
-            <a:r>
-              <a:rPr lang="en-US" dirty="0"/>
-              <a:t> Names</a:t>
+              <a:t>Findings</a:t>
             </a:r>
           </a:p>
         </p:txBody>
       </p:sp>
       <p:pic>
         <p:nvPicPr>
-          <p:cNvPr id="6" name="Content Placeholder 9">
-            <a:extLst>
-              <a:ext uri="{FF2B5EF4-FFF2-40B4-BE49-F238E27FC236}">
-                <a16:creationId xmlns:a16="http://schemas.microsoft.com/office/drawing/2014/main" id="{A0B655E9-35C1-4FD0-A3DD-5B3E33478154}"/>
+          <p:cNvPr id="5" name="Content Placeholder 4">
+            <a:extLst>
+              <a:ext uri="{FF2B5EF4-FFF2-40B4-BE49-F238E27FC236}">
+                <a16:creationId xmlns:a16="http://schemas.microsoft.com/office/drawing/2014/main" id="{2A28D257-3424-BE4E-A67F-E5E10A039D6F}"/>
               </a:ext>
             </a:extLst>
           </p:cNvPr>
@@ -4481,55 +4458,28 @@
           </p:nvPr>
         </p:nvPicPr>
         <p:blipFill>
-          <a:blip r:embed="rId2"/>
+          <a:blip r:embed="rId2">
+            <a:extLst>
+              <a:ext uri="{28A0092B-C50C-407E-A947-70E740481C1C}">
+                <a14:useLocalDpi xmlns:a14="http://schemas.microsoft.com/office/drawing/2010/main" val="0"/>
+              </a:ext>
+            </a:extLst>
+          </a:blip>
           <a:stretch>
             <a:fillRect/>
           </a:stretch>
         </p:blipFill>
         <p:spPr>
           <a:xfrm>
-            <a:off x="1813791" y="1905000"/>
-            <a:ext cx="4757208" cy="3778250"/>
-          </a:xfrm>
-          <a:prstGeom prst="rect">
-            <a:avLst/>
-          </a:prstGeom>
-        </p:spPr>
-      </p:pic>
-      <p:pic>
-        <p:nvPicPr>
-          <p:cNvPr id="7" name="Content Placeholder 6">
-            <a:extLst>
-              <a:ext uri="{FF2B5EF4-FFF2-40B4-BE49-F238E27FC236}">
-                <a16:creationId xmlns:a16="http://schemas.microsoft.com/office/drawing/2014/main" id="{9647CE2D-AAF6-470F-A38D-00E5A9CE2756}"/>
-              </a:ext>
-            </a:extLst>
-          </p:cNvPr>
-          <p:cNvPicPr>
-            <a:picLocks noChangeAspect="1"/>
-          </p:cNvPicPr>
-          <p:nvPr/>
-        </p:nvPicPr>
-        <p:blipFill>
-          <a:blip r:embed="rId3"/>
-          <a:stretch>
-            <a:fillRect/>
-          </a:stretch>
-        </p:blipFill>
-        <p:spPr>
-          <a:xfrm>
-            <a:off x="6570999" y="1905000"/>
-            <a:ext cx="4528410" cy="4039374"/>
-          </a:xfrm>
-          <a:prstGeom prst="rect">
-            <a:avLst/>
-          </a:prstGeom>
+            <a:off x="2022633" y="1600200"/>
+            <a:ext cx="8146733" cy="4525963"/>
+          </a:xfrm>
         </p:spPr>
       </p:pic>
     </p:spTree>
     <p:extLst>
       <p:ext uri="{BB962C8B-B14F-4D97-AF65-F5344CB8AC3E}">
-        <p14:creationId xmlns:p14="http://schemas.microsoft.com/office/powerpoint/2010/main" val="1083912026"/>
+        <p14:creationId xmlns:p14="http://schemas.microsoft.com/office/powerpoint/2010/main" val="1770983878"/>
       </p:ext>
     </p:extLst>
   </p:cSld>
@@ -4561,7 +4511,7 @@
           <p:cNvPr id="2" name="Title 1">
             <a:extLst>
               <a:ext uri="{FF2B5EF4-FFF2-40B4-BE49-F238E27FC236}">
-                <a16:creationId xmlns:a16="http://schemas.microsoft.com/office/drawing/2014/main" id="{786FE2E5-DF8D-4799-8DC3-B8DF8D21F157}"/>
+                <a16:creationId xmlns:a16="http://schemas.microsoft.com/office/drawing/2014/main" id="{9EAF9434-34F4-B84C-B503-88EE1C5AF5EA}"/>
               </a:ext>
             </a:extLst>
           </p:cNvPr>
@@ -4572,41 +4522,24 @@
             <p:ph type="title"/>
           </p:nvPr>
         </p:nvSpPr>
-        <p:spPr>
-          <a:xfrm>
-            <a:off x="4664764" y="274638"/>
-            <a:ext cx="6917635" cy="1143000"/>
-          </a:xfrm>
-        </p:spPr>
+        <p:spPr/>
         <p:txBody>
           <a:bodyPr/>
           <a:lstStyle/>
           <a:p>
             <a:r>
               <a:rPr lang="en-US" dirty="0"/>
-              <a:t>Top </a:t>
-            </a:r>
-            <a:r>
-              <a:rPr lang="en-US" b="1" dirty="0">
-                <a:solidFill>
-                  <a:srgbClr val="0070C0"/>
-                </a:solidFill>
-              </a:rPr>
-              <a:t>Boy</a:t>
-            </a:r>
-            <a:r>
-              <a:rPr lang="en-US" dirty="0"/>
-              <a:t> Names</a:t>
+              <a:t>Findings</a:t>
             </a:r>
           </a:p>
         </p:txBody>
       </p:sp>
       <p:pic>
         <p:nvPicPr>
-          <p:cNvPr id="8" name="Content Placeholder 9">
-            <a:extLst>
-              <a:ext uri="{FF2B5EF4-FFF2-40B4-BE49-F238E27FC236}">
-                <a16:creationId xmlns:a16="http://schemas.microsoft.com/office/drawing/2014/main" id="{C0FC7DDC-3F7A-4B7E-8613-297A2DDE521C}"/>
+          <p:cNvPr id="5" name="Content Placeholder 4">
+            <a:extLst>
+              <a:ext uri="{FF2B5EF4-FFF2-40B4-BE49-F238E27FC236}">
+                <a16:creationId xmlns:a16="http://schemas.microsoft.com/office/drawing/2014/main" id="{C4763B56-5672-6F43-8703-A3EF1E52750E}"/>
               </a:ext>
             </a:extLst>
           </p:cNvPr>
@@ -4618,55 +4551,28 @@
           </p:nvPr>
         </p:nvPicPr>
         <p:blipFill>
-          <a:blip r:embed="rId2"/>
+          <a:blip r:embed="rId2">
+            <a:extLst>
+              <a:ext uri="{28A0092B-C50C-407E-A947-70E740481C1C}">
+                <a14:useLocalDpi xmlns:a14="http://schemas.microsoft.com/office/drawing/2010/main" val="0"/>
+              </a:ext>
+            </a:extLst>
+          </a:blip>
           <a:stretch>
             <a:fillRect/>
           </a:stretch>
         </p:blipFill>
         <p:spPr>
           <a:xfrm>
-            <a:off x="2592925" y="1904999"/>
-            <a:ext cx="4229906" cy="4132933"/>
-          </a:xfrm>
-          <a:prstGeom prst="rect">
-            <a:avLst/>
-          </a:prstGeom>
-        </p:spPr>
-      </p:pic>
-      <p:pic>
-        <p:nvPicPr>
-          <p:cNvPr id="9" name="Content Placeholder 6">
-            <a:extLst>
-              <a:ext uri="{FF2B5EF4-FFF2-40B4-BE49-F238E27FC236}">
-                <a16:creationId xmlns:a16="http://schemas.microsoft.com/office/drawing/2014/main" id="{DD8D9546-3142-4D6E-8FB7-51851117F38B}"/>
-              </a:ext>
-            </a:extLst>
-          </p:cNvPr>
-          <p:cNvPicPr>
-            <a:picLocks noChangeAspect="1"/>
-          </p:cNvPicPr>
-          <p:nvPr/>
-        </p:nvPicPr>
-        <p:blipFill>
-          <a:blip r:embed="rId3"/>
-          <a:stretch>
-            <a:fillRect/>
-          </a:stretch>
-        </p:blipFill>
-        <p:spPr>
-          <a:xfrm>
-            <a:off x="6822830" y="1904997"/>
-            <a:ext cx="4037427" cy="4138147"/>
-          </a:xfrm>
-          <a:prstGeom prst="rect">
-            <a:avLst/>
-          </a:prstGeom>
+            <a:off x="2022633" y="1600200"/>
+            <a:ext cx="8146733" cy="4525963"/>
+          </a:xfrm>
         </p:spPr>
       </p:pic>
     </p:spTree>
     <p:extLst>
       <p:ext uri="{BB962C8B-B14F-4D97-AF65-F5344CB8AC3E}">
-        <p14:creationId xmlns:p14="http://schemas.microsoft.com/office/powerpoint/2010/main" val="2769580788"/>
+        <p14:creationId xmlns:p14="http://schemas.microsoft.com/office/powerpoint/2010/main" val="850808782"/>
       </p:ext>
     </p:extLst>
   </p:cSld>
@@ -4698,7 +4604,7 @@
           <p:cNvPr id="2" name="Title 1">
             <a:extLst>
               <a:ext uri="{FF2B5EF4-FFF2-40B4-BE49-F238E27FC236}">
-                <a16:creationId xmlns:a16="http://schemas.microsoft.com/office/drawing/2014/main" id="{AF559C2E-6A4E-4EF7-B495-8FCC9A99F60C}"/>
+                <a16:creationId xmlns:a16="http://schemas.microsoft.com/office/drawing/2014/main" id="{786FE2E5-DF8D-4799-8DC3-B8DF8D21F157}"/>
               </a:ext>
             </a:extLst>
           </p:cNvPr>
@@ -4711,40 +4617,27 @@
         </p:nvSpPr>
         <p:spPr>
           <a:xfrm>
-            <a:off x="302301" y="2121108"/>
-            <a:ext cx="4097312" cy="3155429"/>
+            <a:off x="4770782" y="274638"/>
+            <a:ext cx="6811617" cy="1143000"/>
           </a:xfrm>
         </p:spPr>
         <p:txBody>
           <a:bodyPr/>
           <a:lstStyle/>
           <a:p>
-            <a:pPr algn="r"/>
             <a:r>
               <a:rPr lang="en-US" dirty="0"/>
-              <a:t>Origin of top </a:t>
-            </a:r>
-            <a:r>
-              <a:rPr lang="en-US" b="1" dirty="0">
-                <a:solidFill>
-                  <a:srgbClr val="FF0000"/>
-                </a:solidFill>
-              </a:rPr>
-              <a:t>Girl</a:t>
-            </a:r>
-            <a:r>
-              <a:rPr lang="en-US" dirty="0"/>
-              <a:t> Names</a:t>
+              <a:t>Findings</a:t>
             </a:r>
           </a:p>
         </p:txBody>
       </p:sp>
       <p:pic>
         <p:nvPicPr>
-          <p:cNvPr id="6" name="Content Placeholder 3">
-            <a:extLst>
-              <a:ext uri="{FF2B5EF4-FFF2-40B4-BE49-F238E27FC236}">
-                <a16:creationId xmlns:a16="http://schemas.microsoft.com/office/drawing/2014/main" id="{07EC73A0-9ABD-4379-9258-DA659D743FCE}"/>
+          <p:cNvPr id="7" name="Content Placeholder 4">
+            <a:extLst>
+              <a:ext uri="{FF2B5EF4-FFF2-40B4-BE49-F238E27FC236}">
+                <a16:creationId xmlns:a16="http://schemas.microsoft.com/office/drawing/2014/main" id="{8136C994-27EE-4F48-B129-9DC9FEB5AFAA}"/>
               </a:ext>
             </a:extLst>
           </p:cNvPr>
@@ -4756,25 +4649,28 @@
           </p:nvPr>
         </p:nvPicPr>
         <p:blipFill>
-          <a:blip r:embed="rId2"/>
+          <a:blip r:embed="rId2">
+            <a:extLst>
+              <a:ext uri="{28A0092B-C50C-407E-A947-70E740481C1C}">
+                <a14:useLocalDpi xmlns:a14="http://schemas.microsoft.com/office/drawing/2010/main" val="0"/>
+              </a:ext>
+            </a:extLst>
+          </a:blip>
           <a:stretch>
             <a:fillRect/>
           </a:stretch>
         </p:blipFill>
         <p:spPr>
           <a:xfrm>
-            <a:off x="4934958" y="473257"/>
-            <a:ext cx="6839815" cy="5485333"/>
-          </a:xfrm>
-          <a:prstGeom prst="rect">
-            <a:avLst/>
-          </a:prstGeom>
+            <a:off x="1640156" y="1900767"/>
+            <a:ext cx="8911687" cy="4836706"/>
+          </a:xfrm>
         </p:spPr>
       </p:pic>
     </p:spTree>
     <p:extLst>
       <p:ext uri="{BB962C8B-B14F-4D97-AF65-F5344CB8AC3E}">
-        <p14:creationId xmlns:p14="http://schemas.microsoft.com/office/powerpoint/2010/main" val="135639361"/>
+        <p14:creationId xmlns:p14="http://schemas.microsoft.com/office/powerpoint/2010/main" val="3314314667"/>
       </p:ext>
     </p:extLst>
   </p:cSld>
@@ -4806,7 +4702,7 @@
           <p:cNvPr id="2" name="Title 1">
             <a:extLst>
               <a:ext uri="{FF2B5EF4-FFF2-40B4-BE49-F238E27FC236}">
-                <a16:creationId xmlns:a16="http://schemas.microsoft.com/office/drawing/2014/main" id="{2CF2A529-CDDC-4B1E-A14D-CB2A6AB29919}"/>
+                <a16:creationId xmlns:a16="http://schemas.microsoft.com/office/drawing/2014/main" id="{786FE2E5-DF8D-4799-8DC3-B8DF8D21F157}"/>
               </a:ext>
             </a:extLst>
           </p:cNvPr>
@@ -4819,40 +4715,27 @@
         </p:nvSpPr>
         <p:spPr>
           <a:xfrm>
-            <a:off x="324787" y="2128603"/>
-            <a:ext cx="4082321" cy="2825646"/>
+            <a:off x="4545496" y="274638"/>
+            <a:ext cx="7036904" cy="1143000"/>
           </a:xfrm>
         </p:spPr>
         <p:txBody>
           <a:bodyPr/>
           <a:lstStyle/>
           <a:p>
-            <a:pPr algn="r"/>
             <a:r>
               <a:rPr lang="en-US" dirty="0"/>
-              <a:t>Origin of top </a:t>
-            </a:r>
-            <a:r>
-              <a:rPr lang="en-US" b="1" dirty="0">
-                <a:solidFill>
-                  <a:srgbClr val="0070C0"/>
-                </a:solidFill>
-              </a:rPr>
-              <a:t>Boy</a:t>
-            </a:r>
-            <a:r>
-              <a:rPr lang="en-US" dirty="0"/>
-              <a:t> Names</a:t>
+              <a:t>Findings</a:t>
             </a:r>
           </a:p>
         </p:txBody>
       </p:sp>
       <p:pic>
         <p:nvPicPr>
-          <p:cNvPr id="4" name="Content Placeholder 3">
-            <a:extLst>
-              <a:ext uri="{FF2B5EF4-FFF2-40B4-BE49-F238E27FC236}">
-                <a16:creationId xmlns:a16="http://schemas.microsoft.com/office/drawing/2014/main" id="{1021FA30-F2AE-4990-8A50-89C89782C3BA}"/>
+          <p:cNvPr id="10" name="Content Placeholder 4">
+            <a:extLst>
+              <a:ext uri="{FF2B5EF4-FFF2-40B4-BE49-F238E27FC236}">
+                <a16:creationId xmlns:a16="http://schemas.microsoft.com/office/drawing/2014/main" id="{23F2CAA9-1DCB-4D24-8E8E-F95D5FB34AAB}"/>
               </a:ext>
             </a:extLst>
           </p:cNvPr>
@@ -4864,25 +4747,28 @@
           </p:nvPr>
         </p:nvPicPr>
         <p:blipFill>
-          <a:blip r:embed="rId2"/>
+          <a:blip r:embed="rId2">
+            <a:extLst>
+              <a:ext uri="{28A0092B-C50C-407E-A947-70E740481C1C}">
+                <a14:useLocalDpi xmlns:a14="http://schemas.microsoft.com/office/drawing/2010/main" val="0"/>
+              </a:ext>
+            </a:extLst>
+          </a:blip>
           <a:stretch>
             <a:fillRect/>
           </a:stretch>
         </p:blipFill>
         <p:spPr>
           <a:xfrm>
-            <a:off x="4939261" y="487180"/>
-            <a:ext cx="6715592" cy="5493361"/>
-          </a:xfrm>
-          <a:prstGeom prst="rect">
-            <a:avLst/>
-          </a:prstGeom>
+            <a:off x="1566408" y="1889347"/>
+            <a:ext cx="9059184" cy="4694015"/>
+          </a:xfrm>
         </p:spPr>
       </p:pic>
     </p:spTree>
     <p:extLst>
       <p:ext uri="{BB962C8B-B14F-4D97-AF65-F5344CB8AC3E}">
-        <p14:creationId xmlns:p14="http://schemas.microsoft.com/office/powerpoint/2010/main" val="2404407489"/>
+        <p14:creationId xmlns:p14="http://schemas.microsoft.com/office/powerpoint/2010/main" val="2738893769"/>
       </p:ext>
     </p:extLst>
   </p:cSld>
@@ -4927,8 +4813,8 @@
         </p:nvSpPr>
         <p:spPr>
           <a:xfrm>
-            <a:off x="4717774" y="274638"/>
-            <a:ext cx="6864626" cy="1143000"/>
+            <a:off x="4505738" y="274638"/>
+            <a:ext cx="7076661" cy="1143000"/>
           </a:xfrm>
         </p:spPr>
         <p:txBody>
@@ -4937,17 +4823,61 @@
           <a:p>
             <a:r>
               <a:rPr lang="en-US" dirty="0"/>
-              <a:t>Findings</a:t>
+              <a:t>Top </a:t>
+            </a:r>
+            <a:r>
+              <a:rPr lang="en-US" b="1" dirty="0">
+                <a:solidFill>
+                  <a:srgbClr val="FF0000"/>
+                </a:solidFill>
+              </a:rPr>
+              <a:t>Girl</a:t>
+            </a:r>
+            <a:r>
+              <a:rPr lang="en-US" dirty="0"/>
+              <a:t> Names</a:t>
             </a:r>
           </a:p>
         </p:txBody>
       </p:sp>
       <p:pic>
         <p:nvPicPr>
-          <p:cNvPr id="4" name="Picture 3" descr="A screenshot of a cell phone&#10;&#10;Description automatically generated">
-            <a:extLst>
-              <a:ext uri="{FF2B5EF4-FFF2-40B4-BE49-F238E27FC236}">
-                <a16:creationId xmlns:a16="http://schemas.microsoft.com/office/drawing/2014/main" id="{5B787468-3D2B-4B7A-89D8-B9E72B54B787}"/>
+          <p:cNvPr id="6" name="Content Placeholder 9">
+            <a:extLst>
+              <a:ext uri="{FF2B5EF4-FFF2-40B4-BE49-F238E27FC236}">
+                <a16:creationId xmlns:a16="http://schemas.microsoft.com/office/drawing/2014/main" id="{A0B655E9-35C1-4FD0-A3DD-5B3E33478154}"/>
+              </a:ext>
+            </a:extLst>
+          </p:cNvPr>
+          <p:cNvPicPr>
+            <a:picLocks noGrp="1" noChangeAspect="1"/>
+          </p:cNvPicPr>
+          <p:nvPr>
+            <p:ph idx="1"/>
+          </p:nvPr>
+        </p:nvPicPr>
+        <p:blipFill>
+          <a:blip r:embed="rId2"/>
+          <a:stretch>
+            <a:fillRect/>
+          </a:stretch>
+        </p:blipFill>
+        <p:spPr>
+          <a:xfrm>
+            <a:off x="1813791" y="1905000"/>
+            <a:ext cx="4757208" cy="3778250"/>
+          </a:xfrm>
+          <a:prstGeom prst="rect">
+            <a:avLst/>
+          </a:prstGeom>
+        </p:spPr>
+      </p:pic>
+      <p:pic>
+        <p:nvPicPr>
+          <p:cNvPr id="7" name="Content Placeholder 6">
+            <a:extLst>
+              <a:ext uri="{FF2B5EF4-FFF2-40B4-BE49-F238E27FC236}">
+                <a16:creationId xmlns:a16="http://schemas.microsoft.com/office/drawing/2014/main" id="{9647CE2D-AAF6-470F-A38D-00E5A9CE2756}"/>
               </a:ext>
             </a:extLst>
           </p:cNvPr>
@@ -4957,66 +4887,25 @@
           <p:nvPr/>
         </p:nvPicPr>
         <p:blipFill>
-          <a:blip r:embed="rId2">
-            <a:extLst>
-              <a:ext uri="{28A0092B-C50C-407E-A947-70E740481C1C}">
-                <a14:useLocalDpi xmlns:a14="http://schemas.microsoft.com/office/drawing/2010/main" val="0"/>
-              </a:ext>
-            </a:extLst>
-          </a:blip>
+          <a:blip r:embed="rId3"/>
           <a:stretch>
             <a:fillRect/>
           </a:stretch>
         </p:blipFill>
         <p:spPr>
           <a:xfrm>
-            <a:off x="6095999" y="2141352"/>
-            <a:ext cx="6092645" cy="3583909"/>
+            <a:off x="6570999" y="1905000"/>
+            <a:ext cx="4528410" cy="4039374"/>
           </a:xfrm>
           <a:prstGeom prst="rect">
             <a:avLst/>
           </a:prstGeom>
-        </p:spPr>
-      </p:pic>
-      <p:pic>
-        <p:nvPicPr>
-          <p:cNvPr id="7" name="Content Placeholder 6">
-            <a:extLst>
-              <a:ext uri="{FF2B5EF4-FFF2-40B4-BE49-F238E27FC236}">
-                <a16:creationId xmlns:a16="http://schemas.microsoft.com/office/drawing/2014/main" id="{6F47425E-7D18-44B6-B23A-2014D4454738}"/>
-              </a:ext>
-            </a:extLst>
-          </p:cNvPr>
-          <p:cNvPicPr>
-            <a:picLocks noGrp="1" noChangeAspect="1"/>
-          </p:cNvPicPr>
-          <p:nvPr>
-            <p:ph idx="1"/>
-          </p:nvPr>
-        </p:nvPicPr>
-        <p:blipFill>
-          <a:blip r:embed="rId3">
-            <a:extLst>
-              <a:ext uri="{28A0092B-C50C-407E-A947-70E740481C1C}">
-                <a14:useLocalDpi xmlns:a14="http://schemas.microsoft.com/office/drawing/2010/main" val="0"/>
-              </a:ext>
-            </a:extLst>
-          </a:blip>
-          <a:stretch>
-            <a:fillRect/>
-          </a:stretch>
-        </p:blipFill>
-        <p:spPr>
-          <a:xfrm>
-            <a:off x="3355" y="2141351"/>
-            <a:ext cx="6092644" cy="3583909"/>
-          </a:xfrm>
         </p:spPr>
       </p:pic>
     </p:spTree>
     <p:extLst>
       <p:ext uri="{BB962C8B-B14F-4D97-AF65-F5344CB8AC3E}">
-        <p14:creationId xmlns:p14="http://schemas.microsoft.com/office/powerpoint/2010/main" val="2892243693"/>
+        <p14:creationId xmlns:p14="http://schemas.microsoft.com/office/powerpoint/2010/main" val="1083912026"/>
       </p:ext>
     </p:extLst>
   </p:cSld>
@@ -5193,8 +5082,8 @@
         </p:nvSpPr>
         <p:spPr>
           <a:xfrm>
-            <a:off x="4717774" y="274638"/>
-            <a:ext cx="6864626" cy="1143000"/>
+            <a:off x="4664764" y="274638"/>
+            <a:ext cx="6917635" cy="1143000"/>
           </a:xfrm>
         </p:spPr>
         <p:txBody>
@@ -5203,17 +5092,29 @@
           <a:p>
             <a:r>
               <a:rPr lang="en-US" dirty="0"/>
-              <a:t>Findings</a:t>
+              <a:t>Top </a:t>
+            </a:r>
+            <a:r>
+              <a:rPr lang="en-US" b="1" dirty="0">
+                <a:solidFill>
+                  <a:srgbClr val="0070C0"/>
+                </a:solidFill>
+              </a:rPr>
+              <a:t>Boy</a:t>
+            </a:r>
+            <a:r>
+              <a:rPr lang="en-US" dirty="0"/>
+              <a:t> Names</a:t>
             </a:r>
           </a:p>
         </p:txBody>
       </p:sp>
       <p:pic>
         <p:nvPicPr>
-          <p:cNvPr id="5" name="Content Placeholder 4" descr="A screenshot of a cell phone&#10;&#10;Description automatically generated">
-            <a:extLst>
-              <a:ext uri="{FF2B5EF4-FFF2-40B4-BE49-F238E27FC236}">
-                <a16:creationId xmlns:a16="http://schemas.microsoft.com/office/drawing/2014/main" id="{C1941D35-3653-445A-9AA9-5BD4E6D1CD48}"/>
+          <p:cNvPr id="8" name="Content Placeholder 9">
+            <a:extLst>
+              <a:ext uri="{FF2B5EF4-FFF2-40B4-BE49-F238E27FC236}">
+                <a16:creationId xmlns:a16="http://schemas.microsoft.com/office/drawing/2014/main" id="{C0FC7DDC-3F7A-4B7E-8613-297A2DDE521C}"/>
               </a:ext>
             </a:extLst>
           </p:cNvPr>
@@ -5225,30 +5126,27 @@
           </p:nvPr>
         </p:nvPicPr>
         <p:blipFill>
-          <a:blip r:embed="rId2">
-            <a:extLst>
-              <a:ext uri="{28A0092B-C50C-407E-A947-70E740481C1C}">
-                <a14:useLocalDpi xmlns:a14="http://schemas.microsoft.com/office/drawing/2010/main" val="0"/>
-              </a:ext>
-            </a:extLst>
-          </a:blip>
+          <a:blip r:embed="rId2"/>
           <a:stretch>
             <a:fillRect/>
           </a:stretch>
         </p:blipFill>
         <p:spPr>
           <a:xfrm>
-            <a:off x="0" y="2078899"/>
-            <a:ext cx="6096000" cy="3585883"/>
-          </a:xfrm>
+            <a:off x="2592925" y="1904999"/>
+            <a:ext cx="4229906" cy="4132933"/>
+          </a:xfrm>
+          <a:prstGeom prst="rect">
+            <a:avLst/>
+          </a:prstGeom>
         </p:spPr>
       </p:pic>
       <p:pic>
         <p:nvPicPr>
-          <p:cNvPr id="9" name="Picture 8">
-            <a:extLst>
-              <a:ext uri="{FF2B5EF4-FFF2-40B4-BE49-F238E27FC236}">
-                <a16:creationId xmlns:a16="http://schemas.microsoft.com/office/drawing/2014/main" id="{E84BC522-12E4-42B5-B823-A60DDAA0BD26}"/>
+          <p:cNvPr id="9" name="Content Placeholder 6">
+            <a:extLst>
+              <a:ext uri="{FF2B5EF4-FFF2-40B4-BE49-F238E27FC236}">
+                <a16:creationId xmlns:a16="http://schemas.microsoft.com/office/drawing/2014/main" id="{DD8D9546-3142-4D6E-8FB7-51851117F38B}"/>
               </a:ext>
             </a:extLst>
           </p:cNvPr>
@@ -5258,21 +5156,15 @@
           <p:nvPr/>
         </p:nvPicPr>
         <p:blipFill>
-          <a:blip r:embed="rId3">
-            <a:extLst>
-              <a:ext uri="{28A0092B-C50C-407E-A947-70E740481C1C}">
-                <a14:useLocalDpi xmlns:a14="http://schemas.microsoft.com/office/drawing/2010/main" val="0"/>
-              </a:ext>
-            </a:extLst>
-          </a:blip>
+          <a:blip r:embed="rId3"/>
           <a:stretch>
             <a:fillRect/>
           </a:stretch>
         </p:blipFill>
         <p:spPr>
           <a:xfrm>
-            <a:off x="6096000" y="2078899"/>
-            <a:ext cx="6096000" cy="3585882"/>
+            <a:off x="6822830" y="1904997"/>
+            <a:ext cx="4037427" cy="4138147"/>
           </a:xfrm>
           <a:prstGeom prst="rect">
             <a:avLst/>
@@ -5282,7 +5174,7 @@
     </p:spTree>
     <p:extLst>
       <p:ext uri="{BB962C8B-B14F-4D97-AF65-F5344CB8AC3E}">
-        <p14:creationId xmlns:p14="http://schemas.microsoft.com/office/powerpoint/2010/main" val="643965291"/>
+        <p14:creationId xmlns:p14="http://schemas.microsoft.com/office/powerpoint/2010/main" val="2769580788"/>
       </p:ext>
     </p:extLst>
   </p:cSld>
@@ -5314,7 +5206,7 @@
           <p:cNvPr id="2" name="Title 1">
             <a:extLst>
               <a:ext uri="{FF2B5EF4-FFF2-40B4-BE49-F238E27FC236}">
-                <a16:creationId xmlns:a16="http://schemas.microsoft.com/office/drawing/2014/main" id="{786FE2E5-DF8D-4799-8DC3-B8DF8D21F157}"/>
+                <a16:creationId xmlns:a16="http://schemas.microsoft.com/office/drawing/2014/main" id="{AF559C2E-6A4E-4EF7-B495-8FCC9A99F60C}"/>
               </a:ext>
             </a:extLst>
           </p:cNvPr>
@@ -5327,27 +5219,40 @@
         </p:nvSpPr>
         <p:spPr>
           <a:xfrm>
-            <a:off x="4717774" y="274638"/>
-            <a:ext cx="6864626" cy="1143000"/>
+            <a:off x="302301" y="2121108"/>
+            <a:ext cx="4097312" cy="3155429"/>
           </a:xfrm>
         </p:spPr>
         <p:txBody>
           <a:bodyPr/>
           <a:lstStyle/>
           <a:p>
+            <a:pPr algn="r"/>
             <a:r>
               <a:rPr lang="en-US" dirty="0"/>
-              <a:t>Findings</a:t>
+              <a:t>Origin of top </a:t>
+            </a:r>
+            <a:r>
+              <a:rPr lang="en-US" b="1" dirty="0">
+                <a:solidFill>
+                  <a:srgbClr val="FF0000"/>
+                </a:solidFill>
+              </a:rPr>
+              <a:t>Girl</a:t>
+            </a:r>
+            <a:r>
+              <a:rPr lang="en-US" dirty="0"/>
+              <a:t> Names</a:t>
             </a:r>
           </a:p>
         </p:txBody>
       </p:sp>
       <p:pic>
         <p:nvPicPr>
-          <p:cNvPr id="6" name="Content Placeholder 5" descr="A screenshot of a cell phone&#10;&#10;Description automatically generated">
-            <a:extLst>
-              <a:ext uri="{FF2B5EF4-FFF2-40B4-BE49-F238E27FC236}">
-                <a16:creationId xmlns:a16="http://schemas.microsoft.com/office/drawing/2014/main" id="{7CFD9341-EEE9-456C-AA42-5359361504A9}"/>
+          <p:cNvPr id="6" name="Content Placeholder 3">
+            <a:extLst>
+              <a:ext uri="{FF2B5EF4-FFF2-40B4-BE49-F238E27FC236}">
+                <a16:creationId xmlns:a16="http://schemas.microsoft.com/office/drawing/2014/main" id="{07EC73A0-9ABD-4379-9258-DA659D743FCE}"/>
               </a:ext>
             </a:extLst>
           </p:cNvPr>
@@ -5359,54 +5264,15 @@
           </p:nvPr>
         </p:nvPicPr>
         <p:blipFill>
-          <a:blip r:embed="rId2">
-            <a:extLst>
-              <a:ext uri="{28A0092B-C50C-407E-A947-70E740481C1C}">
-                <a14:useLocalDpi xmlns:a14="http://schemas.microsoft.com/office/drawing/2010/main" val="0"/>
-              </a:ext>
-            </a:extLst>
-          </a:blip>
+          <a:blip r:embed="rId2"/>
           <a:stretch>
             <a:fillRect/>
           </a:stretch>
         </p:blipFill>
         <p:spPr>
           <a:xfrm>
-            <a:off x="0" y="2141687"/>
-            <a:ext cx="6096000" cy="3585883"/>
-          </a:xfrm>
-        </p:spPr>
-      </p:pic>
-      <p:pic>
-        <p:nvPicPr>
-          <p:cNvPr id="9" name="Picture 8" descr="A close up of a logo&#10;&#10;Description automatically generated">
-            <a:extLst>
-              <a:ext uri="{FF2B5EF4-FFF2-40B4-BE49-F238E27FC236}">
-                <a16:creationId xmlns:a16="http://schemas.microsoft.com/office/drawing/2014/main" id="{6CD31C7E-3307-48C7-A90E-1E53359E82BE}"/>
-              </a:ext>
-            </a:extLst>
-          </p:cNvPr>
-          <p:cNvPicPr>
-            <a:picLocks noChangeAspect="1"/>
-          </p:cNvPicPr>
-          <p:nvPr/>
-        </p:nvPicPr>
-        <p:blipFill>
-          <a:blip r:embed="rId3">
-            <a:extLst>
-              <a:ext uri="{28A0092B-C50C-407E-A947-70E740481C1C}">
-                <a14:useLocalDpi xmlns:a14="http://schemas.microsoft.com/office/drawing/2010/main" val="0"/>
-              </a:ext>
-            </a:extLst>
-          </a:blip>
-          <a:stretch>
-            <a:fillRect/>
-          </a:stretch>
-        </p:blipFill>
-        <p:spPr>
-          <a:xfrm>
-            <a:off x="6096000" y="2141687"/>
-            <a:ext cx="6096000" cy="3585882"/>
+            <a:off x="4934958" y="473257"/>
+            <a:ext cx="6839815" cy="5485333"/>
           </a:xfrm>
           <a:prstGeom prst="rect">
             <a:avLst/>
@@ -5416,7 +5282,7 @@
     </p:spTree>
     <p:extLst>
       <p:ext uri="{BB962C8B-B14F-4D97-AF65-F5344CB8AC3E}">
-        <p14:creationId xmlns:p14="http://schemas.microsoft.com/office/powerpoint/2010/main" val="1380741199"/>
+        <p14:creationId xmlns:p14="http://schemas.microsoft.com/office/powerpoint/2010/main" val="135639361"/>
       </p:ext>
     </p:extLst>
   </p:cSld>
@@ -5448,7 +5314,7 @@
           <p:cNvPr id="2" name="Title 1">
             <a:extLst>
               <a:ext uri="{FF2B5EF4-FFF2-40B4-BE49-F238E27FC236}">
-                <a16:creationId xmlns:a16="http://schemas.microsoft.com/office/drawing/2014/main" id="{786FE2E5-DF8D-4799-8DC3-B8DF8D21F157}"/>
+                <a16:creationId xmlns:a16="http://schemas.microsoft.com/office/drawing/2014/main" id="{2CF2A529-CDDC-4B1E-A14D-CB2A6AB29919}"/>
               </a:ext>
             </a:extLst>
           </p:cNvPr>
@@ -5461,96 +5327,70 @@
         </p:nvSpPr>
         <p:spPr>
           <a:xfrm>
-            <a:off x="4717774" y="261386"/>
-            <a:ext cx="6864626" cy="1143000"/>
+            <a:off x="324787" y="2128603"/>
+            <a:ext cx="4082321" cy="2825646"/>
           </a:xfrm>
         </p:spPr>
         <p:txBody>
           <a:bodyPr/>
           <a:lstStyle/>
           <a:p>
+            <a:pPr algn="r"/>
             <a:r>
               <a:rPr lang="en-US" dirty="0"/>
-              <a:t>Findings</a:t>
+              <a:t>Origin of top </a:t>
+            </a:r>
+            <a:r>
+              <a:rPr lang="en-US" b="1" dirty="0">
+                <a:solidFill>
+                  <a:srgbClr val="0070C0"/>
+                </a:solidFill>
+              </a:rPr>
+              <a:t>Boy</a:t>
+            </a:r>
+            <a:r>
+              <a:rPr lang="en-US" dirty="0"/>
+              <a:t> Names</a:t>
             </a:r>
           </a:p>
         </p:txBody>
       </p:sp>
       <p:pic>
         <p:nvPicPr>
-          <p:cNvPr id="4" name="Picture 3" descr="A screenshot of a cell phone&#10;&#10;Description automatically generated">
-            <a:extLst>
-              <a:ext uri="{FF2B5EF4-FFF2-40B4-BE49-F238E27FC236}">
-                <a16:creationId xmlns:a16="http://schemas.microsoft.com/office/drawing/2014/main" id="{0C95B3B7-6879-4B86-A8C6-7E13CFF8149F}"/>
+          <p:cNvPr id="4" name="Content Placeholder 3">
+            <a:extLst>
+              <a:ext uri="{FF2B5EF4-FFF2-40B4-BE49-F238E27FC236}">
+                <a16:creationId xmlns:a16="http://schemas.microsoft.com/office/drawing/2014/main" id="{1021FA30-F2AE-4990-8A50-89C89782C3BA}"/>
               </a:ext>
             </a:extLst>
           </p:cNvPr>
           <p:cNvPicPr>
-            <a:picLocks noChangeAspect="1"/>
+            <a:picLocks noGrp="1" noChangeAspect="1"/>
           </p:cNvPicPr>
-          <p:nvPr/>
+          <p:nvPr>
+            <p:ph idx="1"/>
+          </p:nvPr>
         </p:nvPicPr>
         <p:blipFill>
-          <a:blip r:embed="rId2">
-            <a:extLst>
-              <a:ext uri="{28A0092B-C50C-407E-A947-70E740481C1C}">
-                <a14:useLocalDpi xmlns:a14="http://schemas.microsoft.com/office/drawing/2010/main" val="0"/>
-              </a:ext>
-            </a:extLst>
-          </a:blip>
+          <a:blip r:embed="rId2"/>
           <a:stretch>
             <a:fillRect/>
           </a:stretch>
         </p:blipFill>
         <p:spPr>
           <a:xfrm>
-            <a:off x="0" y="2193235"/>
-            <a:ext cx="6095998" cy="3585881"/>
+            <a:off x="4939261" y="487180"/>
+            <a:ext cx="6715592" cy="5493361"/>
           </a:xfrm>
           <a:prstGeom prst="rect">
             <a:avLst/>
           </a:prstGeom>
-        </p:spPr>
-      </p:pic>
-      <p:pic>
-        <p:nvPicPr>
-          <p:cNvPr id="9" name="Content Placeholder 8" descr="A screenshot of a social media post&#10;&#10;Description automatically generated">
-            <a:extLst>
-              <a:ext uri="{FF2B5EF4-FFF2-40B4-BE49-F238E27FC236}">
-                <a16:creationId xmlns:a16="http://schemas.microsoft.com/office/drawing/2014/main" id="{862D7BCB-8C51-4725-8700-483673791286}"/>
-              </a:ext>
-            </a:extLst>
-          </p:cNvPr>
-          <p:cNvPicPr>
-            <a:picLocks noGrp="1" noChangeAspect="1"/>
-          </p:cNvPicPr>
-          <p:nvPr>
-            <p:ph idx="1"/>
-          </p:nvPr>
-        </p:nvPicPr>
-        <p:blipFill>
-          <a:blip r:embed="rId3">
-            <a:extLst>
-              <a:ext uri="{28A0092B-C50C-407E-A947-70E740481C1C}">
-                <a14:useLocalDpi xmlns:a14="http://schemas.microsoft.com/office/drawing/2010/main" val="0"/>
-              </a:ext>
-            </a:extLst>
-          </a:blip>
-          <a:stretch>
-            <a:fillRect/>
-          </a:stretch>
-        </p:blipFill>
-        <p:spPr>
-          <a:xfrm>
-            <a:off x="6095997" y="2193235"/>
-            <a:ext cx="6095997" cy="3585881"/>
-          </a:xfrm>
         </p:spPr>
       </p:pic>
     </p:spTree>
     <p:extLst>
       <p:ext uri="{BB962C8B-B14F-4D97-AF65-F5344CB8AC3E}">
-        <p14:creationId xmlns:p14="http://schemas.microsoft.com/office/powerpoint/2010/main" val="1107283967"/>
+        <p14:creationId xmlns:p14="http://schemas.microsoft.com/office/powerpoint/2010/main" val="2404407489"/>
       </p:ext>
     </p:extLst>
   </p:cSld>
@@ -5582,6 +5422,542 @@
           <p:cNvPr id="2" name="Title 1">
             <a:extLst>
               <a:ext uri="{FF2B5EF4-FFF2-40B4-BE49-F238E27FC236}">
+                <a16:creationId xmlns:a16="http://schemas.microsoft.com/office/drawing/2014/main" id="{786FE2E5-DF8D-4799-8DC3-B8DF8D21F157}"/>
+              </a:ext>
+            </a:extLst>
+          </p:cNvPr>
+          <p:cNvSpPr>
+            <a:spLocks noGrp="1"/>
+          </p:cNvSpPr>
+          <p:nvPr>
+            <p:ph type="title"/>
+          </p:nvPr>
+        </p:nvSpPr>
+        <p:spPr>
+          <a:xfrm>
+            <a:off x="4717774" y="274638"/>
+            <a:ext cx="6864626" cy="1143000"/>
+          </a:xfrm>
+        </p:spPr>
+        <p:txBody>
+          <a:bodyPr/>
+          <a:lstStyle/>
+          <a:p>
+            <a:r>
+              <a:rPr lang="en-US" dirty="0"/>
+              <a:t>Findings</a:t>
+            </a:r>
+          </a:p>
+        </p:txBody>
+      </p:sp>
+      <p:pic>
+        <p:nvPicPr>
+          <p:cNvPr id="4" name="Picture 3" descr="A screenshot of a cell phone&#10;&#10;Description automatically generated">
+            <a:extLst>
+              <a:ext uri="{FF2B5EF4-FFF2-40B4-BE49-F238E27FC236}">
+                <a16:creationId xmlns:a16="http://schemas.microsoft.com/office/drawing/2014/main" id="{5B787468-3D2B-4B7A-89D8-B9E72B54B787}"/>
+              </a:ext>
+            </a:extLst>
+          </p:cNvPr>
+          <p:cNvPicPr>
+            <a:picLocks noChangeAspect="1"/>
+          </p:cNvPicPr>
+          <p:nvPr/>
+        </p:nvPicPr>
+        <p:blipFill>
+          <a:blip r:embed="rId2">
+            <a:extLst>
+              <a:ext uri="{28A0092B-C50C-407E-A947-70E740481C1C}">
+                <a14:useLocalDpi xmlns:a14="http://schemas.microsoft.com/office/drawing/2010/main" val="0"/>
+              </a:ext>
+            </a:extLst>
+          </a:blip>
+          <a:stretch>
+            <a:fillRect/>
+          </a:stretch>
+        </p:blipFill>
+        <p:spPr>
+          <a:xfrm>
+            <a:off x="6095999" y="2141352"/>
+            <a:ext cx="6092645" cy="3583909"/>
+          </a:xfrm>
+          <a:prstGeom prst="rect">
+            <a:avLst/>
+          </a:prstGeom>
+        </p:spPr>
+      </p:pic>
+      <p:pic>
+        <p:nvPicPr>
+          <p:cNvPr id="7" name="Content Placeholder 6">
+            <a:extLst>
+              <a:ext uri="{FF2B5EF4-FFF2-40B4-BE49-F238E27FC236}">
+                <a16:creationId xmlns:a16="http://schemas.microsoft.com/office/drawing/2014/main" id="{6F47425E-7D18-44B6-B23A-2014D4454738}"/>
+              </a:ext>
+            </a:extLst>
+          </p:cNvPr>
+          <p:cNvPicPr>
+            <a:picLocks noGrp="1" noChangeAspect="1"/>
+          </p:cNvPicPr>
+          <p:nvPr>
+            <p:ph idx="1"/>
+          </p:nvPr>
+        </p:nvPicPr>
+        <p:blipFill>
+          <a:blip r:embed="rId3">
+            <a:extLst>
+              <a:ext uri="{28A0092B-C50C-407E-A947-70E740481C1C}">
+                <a14:useLocalDpi xmlns:a14="http://schemas.microsoft.com/office/drawing/2010/main" val="0"/>
+              </a:ext>
+            </a:extLst>
+          </a:blip>
+          <a:stretch>
+            <a:fillRect/>
+          </a:stretch>
+        </p:blipFill>
+        <p:spPr>
+          <a:xfrm>
+            <a:off x="3355" y="2141351"/>
+            <a:ext cx="6092644" cy="3583909"/>
+          </a:xfrm>
+        </p:spPr>
+      </p:pic>
+    </p:spTree>
+    <p:extLst>
+      <p:ext uri="{BB962C8B-B14F-4D97-AF65-F5344CB8AC3E}">
+        <p14:creationId xmlns:p14="http://schemas.microsoft.com/office/powerpoint/2010/main" val="2892243693"/>
+      </p:ext>
+    </p:extLst>
+  </p:cSld>
+  <p:clrMapOvr>
+    <a:masterClrMapping/>
+  </p:clrMapOvr>
+</p:sld>
+</file>
+
+<file path=ppt/slides/slide24.xml><?xml version="1.0" encoding="utf-8"?>
+<p:sld xmlns:a="http://schemas.openxmlformats.org/drawingml/2006/main" xmlns:r="http://schemas.openxmlformats.org/officeDocument/2006/relationships" xmlns:p="http://schemas.openxmlformats.org/presentationml/2006/main">
+  <p:cSld>
+    <p:spTree>
+      <p:nvGrpSpPr>
+        <p:cNvPr id="1" name=""/>
+        <p:cNvGrpSpPr/>
+        <p:nvPr/>
+      </p:nvGrpSpPr>
+      <p:grpSpPr>
+        <a:xfrm>
+          <a:off x="0" y="0"/>
+          <a:ext cx="0" cy="0"/>
+          <a:chOff x="0" y="0"/>
+          <a:chExt cx="0" cy="0"/>
+        </a:xfrm>
+      </p:grpSpPr>
+      <p:sp>
+        <p:nvSpPr>
+          <p:cNvPr id="2" name="Title 1">
+            <a:extLst>
+              <a:ext uri="{FF2B5EF4-FFF2-40B4-BE49-F238E27FC236}">
+                <a16:creationId xmlns:a16="http://schemas.microsoft.com/office/drawing/2014/main" id="{786FE2E5-DF8D-4799-8DC3-B8DF8D21F157}"/>
+              </a:ext>
+            </a:extLst>
+          </p:cNvPr>
+          <p:cNvSpPr>
+            <a:spLocks noGrp="1"/>
+          </p:cNvSpPr>
+          <p:nvPr>
+            <p:ph type="title"/>
+          </p:nvPr>
+        </p:nvSpPr>
+        <p:spPr>
+          <a:xfrm>
+            <a:off x="4717774" y="274638"/>
+            <a:ext cx="6864626" cy="1143000"/>
+          </a:xfrm>
+        </p:spPr>
+        <p:txBody>
+          <a:bodyPr/>
+          <a:lstStyle/>
+          <a:p>
+            <a:r>
+              <a:rPr lang="en-US" dirty="0"/>
+              <a:t>Findings</a:t>
+            </a:r>
+          </a:p>
+        </p:txBody>
+      </p:sp>
+      <p:pic>
+        <p:nvPicPr>
+          <p:cNvPr id="5" name="Content Placeholder 4" descr="A screenshot of a cell phone&#10;&#10;Description automatically generated">
+            <a:extLst>
+              <a:ext uri="{FF2B5EF4-FFF2-40B4-BE49-F238E27FC236}">
+                <a16:creationId xmlns:a16="http://schemas.microsoft.com/office/drawing/2014/main" id="{C1941D35-3653-445A-9AA9-5BD4E6D1CD48}"/>
+              </a:ext>
+            </a:extLst>
+          </p:cNvPr>
+          <p:cNvPicPr>
+            <a:picLocks noGrp="1" noChangeAspect="1"/>
+          </p:cNvPicPr>
+          <p:nvPr>
+            <p:ph idx="1"/>
+          </p:nvPr>
+        </p:nvPicPr>
+        <p:blipFill>
+          <a:blip r:embed="rId2">
+            <a:extLst>
+              <a:ext uri="{28A0092B-C50C-407E-A947-70E740481C1C}">
+                <a14:useLocalDpi xmlns:a14="http://schemas.microsoft.com/office/drawing/2010/main" val="0"/>
+              </a:ext>
+            </a:extLst>
+          </a:blip>
+          <a:stretch>
+            <a:fillRect/>
+          </a:stretch>
+        </p:blipFill>
+        <p:spPr>
+          <a:xfrm>
+            <a:off x="0" y="2078899"/>
+            <a:ext cx="6096000" cy="3585883"/>
+          </a:xfrm>
+        </p:spPr>
+      </p:pic>
+      <p:pic>
+        <p:nvPicPr>
+          <p:cNvPr id="9" name="Picture 8">
+            <a:extLst>
+              <a:ext uri="{FF2B5EF4-FFF2-40B4-BE49-F238E27FC236}">
+                <a16:creationId xmlns:a16="http://schemas.microsoft.com/office/drawing/2014/main" id="{E84BC522-12E4-42B5-B823-A60DDAA0BD26}"/>
+              </a:ext>
+            </a:extLst>
+          </p:cNvPr>
+          <p:cNvPicPr>
+            <a:picLocks noChangeAspect="1"/>
+          </p:cNvPicPr>
+          <p:nvPr/>
+        </p:nvPicPr>
+        <p:blipFill>
+          <a:blip r:embed="rId3">
+            <a:extLst>
+              <a:ext uri="{28A0092B-C50C-407E-A947-70E740481C1C}">
+                <a14:useLocalDpi xmlns:a14="http://schemas.microsoft.com/office/drawing/2010/main" val="0"/>
+              </a:ext>
+            </a:extLst>
+          </a:blip>
+          <a:stretch>
+            <a:fillRect/>
+          </a:stretch>
+        </p:blipFill>
+        <p:spPr>
+          <a:xfrm>
+            <a:off x="6096000" y="2078899"/>
+            <a:ext cx="6096000" cy="3585882"/>
+          </a:xfrm>
+          <a:prstGeom prst="rect">
+            <a:avLst/>
+          </a:prstGeom>
+        </p:spPr>
+      </p:pic>
+    </p:spTree>
+    <p:extLst>
+      <p:ext uri="{BB962C8B-B14F-4D97-AF65-F5344CB8AC3E}">
+        <p14:creationId xmlns:p14="http://schemas.microsoft.com/office/powerpoint/2010/main" val="643965291"/>
+      </p:ext>
+    </p:extLst>
+  </p:cSld>
+  <p:clrMapOvr>
+    <a:masterClrMapping/>
+  </p:clrMapOvr>
+</p:sld>
+</file>
+
+<file path=ppt/slides/slide25.xml><?xml version="1.0" encoding="utf-8"?>
+<p:sld xmlns:a="http://schemas.openxmlformats.org/drawingml/2006/main" xmlns:r="http://schemas.openxmlformats.org/officeDocument/2006/relationships" xmlns:p="http://schemas.openxmlformats.org/presentationml/2006/main">
+  <p:cSld>
+    <p:spTree>
+      <p:nvGrpSpPr>
+        <p:cNvPr id="1" name=""/>
+        <p:cNvGrpSpPr/>
+        <p:nvPr/>
+      </p:nvGrpSpPr>
+      <p:grpSpPr>
+        <a:xfrm>
+          <a:off x="0" y="0"/>
+          <a:ext cx="0" cy="0"/>
+          <a:chOff x="0" y="0"/>
+          <a:chExt cx="0" cy="0"/>
+        </a:xfrm>
+      </p:grpSpPr>
+      <p:sp>
+        <p:nvSpPr>
+          <p:cNvPr id="2" name="Title 1">
+            <a:extLst>
+              <a:ext uri="{FF2B5EF4-FFF2-40B4-BE49-F238E27FC236}">
+                <a16:creationId xmlns:a16="http://schemas.microsoft.com/office/drawing/2014/main" id="{786FE2E5-DF8D-4799-8DC3-B8DF8D21F157}"/>
+              </a:ext>
+            </a:extLst>
+          </p:cNvPr>
+          <p:cNvSpPr>
+            <a:spLocks noGrp="1"/>
+          </p:cNvSpPr>
+          <p:nvPr>
+            <p:ph type="title"/>
+          </p:nvPr>
+        </p:nvSpPr>
+        <p:spPr>
+          <a:xfrm>
+            <a:off x="4717774" y="274638"/>
+            <a:ext cx="6864626" cy="1143000"/>
+          </a:xfrm>
+        </p:spPr>
+        <p:txBody>
+          <a:bodyPr/>
+          <a:lstStyle/>
+          <a:p>
+            <a:r>
+              <a:rPr lang="en-US" dirty="0"/>
+              <a:t>Findings</a:t>
+            </a:r>
+          </a:p>
+        </p:txBody>
+      </p:sp>
+      <p:pic>
+        <p:nvPicPr>
+          <p:cNvPr id="6" name="Content Placeholder 5" descr="A screenshot of a cell phone&#10;&#10;Description automatically generated">
+            <a:extLst>
+              <a:ext uri="{FF2B5EF4-FFF2-40B4-BE49-F238E27FC236}">
+                <a16:creationId xmlns:a16="http://schemas.microsoft.com/office/drawing/2014/main" id="{7CFD9341-EEE9-456C-AA42-5359361504A9}"/>
+              </a:ext>
+            </a:extLst>
+          </p:cNvPr>
+          <p:cNvPicPr>
+            <a:picLocks noGrp="1" noChangeAspect="1"/>
+          </p:cNvPicPr>
+          <p:nvPr>
+            <p:ph idx="1"/>
+          </p:nvPr>
+        </p:nvPicPr>
+        <p:blipFill>
+          <a:blip r:embed="rId2">
+            <a:extLst>
+              <a:ext uri="{28A0092B-C50C-407E-A947-70E740481C1C}">
+                <a14:useLocalDpi xmlns:a14="http://schemas.microsoft.com/office/drawing/2010/main" val="0"/>
+              </a:ext>
+            </a:extLst>
+          </a:blip>
+          <a:stretch>
+            <a:fillRect/>
+          </a:stretch>
+        </p:blipFill>
+        <p:spPr>
+          <a:xfrm>
+            <a:off x="0" y="2141687"/>
+            <a:ext cx="6096000" cy="3585883"/>
+          </a:xfrm>
+        </p:spPr>
+      </p:pic>
+      <p:pic>
+        <p:nvPicPr>
+          <p:cNvPr id="9" name="Picture 8" descr="A close up of a logo&#10;&#10;Description automatically generated">
+            <a:extLst>
+              <a:ext uri="{FF2B5EF4-FFF2-40B4-BE49-F238E27FC236}">
+                <a16:creationId xmlns:a16="http://schemas.microsoft.com/office/drawing/2014/main" id="{6CD31C7E-3307-48C7-A90E-1E53359E82BE}"/>
+              </a:ext>
+            </a:extLst>
+          </p:cNvPr>
+          <p:cNvPicPr>
+            <a:picLocks noChangeAspect="1"/>
+          </p:cNvPicPr>
+          <p:nvPr/>
+        </p:nvPicPr>
+        <p:blipFill>
+          <a:blip r:embed="rId3">
+            <a:extLst>
+              <a:ext uri="{28A0092B-C50C-407E-A947-70E740481C1C}">
+                <a14:useLocalDpi xmlns:a14="http://schemas.microsoft.com/office/drawing/2010/main" val="0"/>
+              </a:ext>
+            </a:extLst>
+          </a:blip>
+          <a:stretch>
+            <a:fillRect/>
+          </a:stretch>
+        </p:blipFill>
+        <p:spPr>
+          <a:xfrm>
+            <a:off x="6096000" y="2141687"/>
+            <a:ext cx="6096000" cy="3585882"/>
+          </a:xfrm>
+          <a:prstGeom prst="rect">
+            <a:avLst/>
+          </a:prstGeom>
+        </p:spPr>
+      </p:pic>
+    </p:spTree>
+    <p:extLst>
+      <p:ext uri="{BB962C8B-B14F-4D97-AF65-F5344CB8AC3E}">
+        <p14:creationId xmlns:p14="http://schemas.microsoft.com/office/powerpoint/2010/main" val="1380741199"/>
+      </p:ext>
+    </p:extLst>
+  </p:cSld>
+  <p:clrMapOvr>
+    <a:masterClrMapping/>
+  </p:clrMapOvr>
+</p:sld>
+</file>
+
+<file path=ppt/slides/slide26.xml><?xml version="1.0" encoding="utf-8"?>
+<p:sld xmlns:a="http://schemas.openxmlformats.org/drawingml/2006/main" xmlns:r="http://schemas.openxmlformats.org/officeDocument/2006/relationships" xmlns:p="http://schemas.openxmlformats.org/presentationml/2006/main">
+  <p:cSld>
+    <p:spTree>
+      <p:nvGrpSpPr>
+        <p:cNvPr id="1" name=""/>
+        <p:cNvGrpSpPr/>
+        <p:nvPr/>
+      </p:nvGrpSpPr>
+      <p:grpSpPr>
+        <a:xfrm>
+          <a:off x="0" y="0"/>
+          <a:ext cx="0" cy="0"/>
+          <a:chOff x="0" y="0"/>
+          <a:chExt cx="0" cy="0"/>
+        </a:xfrm>
+      </p:grpSpPr>
+      <p:sp>
+        <p:nvSpPr>
+          <p:cNvPr id="2" name="Title 1">
+            <a:extLst>
+              <a:ext uri="{FF2B5EF4-FFF2-40B4-BE49-F238E27FC236}">
+                <a16:creationId xmlns:a16="http://schemas.microsoft.com/office/drawing/2014/main" id="{786FE2E5-DF8D-4799-8DC3-B8DF8D21F157}"/>
+              </a:ext>
+            </a:extLst>
+          </p:cNvPr>
+          <p:cNvSpPr>
+            <a:spLocks noGrp="1"/>
+          </p:cNvSpPr>
+          <p:nvPr>
+            <p:ph type="title"/>
+          </p:nvPr>
+        </p:nvSpPr>
+        <p:spPr>
+          <a:xfrm>
+            <a:off x="4717774" y="261386"/>
+            <a:ext cx="6864626" cy="1143000"/>
+          </a:xfrm>
+        </p:spPr>
+        <p:txBody>
+          <a:bodyPr/>
+          <a:lstStyle/>
+          <a:p>
+            <a:r>
+              <a:rPr lang="en-US" dirty="0"/>
+              <a:t>Findings</a:t>
+            </a:r>
+          </a:p>
+        </p:txBody>
+      </p:sp>
+      <p:pic>
+        <p:nvPicPr>
+          <p:cNvPr id="4" name="Picture 3" descr="A screenshot of a cell phone&#10;&#10;Description automatically generated">
+            <a:extLst>
+              <a:ext uri="{FF2B5EF4-FFF2-40B4-BE49-F238E27FC236}">
+                <a16:creationId xmlns:a16="http://schemas.microsoft.com/office/drawing/2014/main" id="{0C95B3B7-6879-4B86-A8C6-7E13CFF8149F}"/>
+              </a:ext>
+            </a:extLst>
+          </p:cNvPr>
+          <p:cNvPicPr>
+            <a:picLocks noChangeAspect="1"/>
+          </p:cNvPicPr>
+          <p:nvPr/>
+        </p:nvPicPr>
+        <p:blipFill>
+          <a:blip r:embed="rId2">
+            <a:extLst>
+              <a:ext uri="{28A0092B-C50C-407E-A947-70E740481C1C}">
+                <a14:useLocalDpi xmlns:a14="http://schemas.microsoft.com/office/drawing/2010/main" val="0"/>
+              </a:ext>
+            </a:extLst>
+          </a:blip>
+          <a:stretch>
+            <a:fillRect/>
+          </a:stretch>
+        </p:blipFill>
+        <p:spPr>
+          <a:xfrm>
+            <a:off x="0" y="2193235"/>
+            <a:ext cx="6095998" cy="3585881"/>
+          </a:xfrm>
+          <a:prstGeom prst="rect">
+            <a:avLst/>
+          </a:prstGeom>
+        </p:spPr>
+      </p:pic>
+      <p:pic>
+        <p:nvPicPr>
+          <p:cNvPr id="9" name="Content Placeholder 8" descr="A screenshot of a social media post&#10;&#10;Description automatically generated">
+            <a:extLst>
+              <a:ext uri="{FF2B5EF4-FFF2-40B4-BE49-F238E27FC236}">
+                <a16:creationId xmlns:a16="http://schemas.microsoft.com/office/drawing/2014/main" id="{862D7BCB-8C51-4725-8700-483673791286}"/>
+              </a:ext>
+            </a:extLst>
+          </p:cNvPr>
+          <p:cNvPicPr>
+            <a:picLocks noGrp="1" noChangeAspect="1"/>
+          </p:cNvPicPr>
+          <p:nvPr>
+            <p:ph idx="1"/>
+          </p:nvPr>
+        </p:nvPicPr>
+        <p:blipFill>
+          <a:blip r:embed="rId3">
+            <a:extLst>
+              <a:ext uri="{28A0092B-C50C-407E-A947-70E740481C1C}">
+                <a14:useLocalDpi xmlns:a14="http://schemas.microsoft.com/office/drawing/2010/main" val="0"/>
+              </a:ext>
+            </a:extLst>
+          </a:blip>
+          <a:stretch>
+            <a:fillRect/>
+          </a:stretch>
+        </p:blipFill>
+        <p:spPr>
+          <a:xfrm>
+            <a:off x="6095997" y="2193235"/>
+            <a:ext cx="6095997" cy="3585881"/>
+          </a:xfrm>
+        </p:spPr>
+      </p:pic>
+    </p:spTree>
+    <p:extLst>
+      <p:ext uri="{BB962C8B-B14F-4D97-AF65-F5344CB8AC3E}">
+        <p14:creationId xmlns:p14="http://schemas.microsoft.com/office/powerpoint/2010/main" val="1107283967"/>
+      </p:ext>
+    </p:extLst>
+  </p:cSld>
+  <p:clrMapOvr>
+    <a:masterClrMapping/>
+  </p:clrMapOvr>
+</p:sld>
+</file>
+
+<file path=ppt/slides/slide27.xml><?xml version="1.0" encoding="utf-8"?>
+<p:sld xmlns:a="http://schemas.openxmlformats.org/drawingml/2006/main" xmlns:r="http://schemas.openxmlformats.org/officeDocument/2006/relationships" xmlns:p="http://schemas.openxmlformats.org/presentationml/2006/main">
+  <p:cSld>
+    <p:spTree>
+      <p:nvGrpSpPr>
+        <p:cNvPr id="1" name=""/>
+        <p:cNvGrpSpPr/>
+        <p:nvPr/>
+      </p:nvGrpSpPr>
+      <p:grpSpPr>
+        <a:xfrm>
+          <a:off x="0" y="0"/>
+          <a:ext cx="0" cy="0"/>
+          <a:chOff x="0" y="0"/>
+          <a:chExt cx="0" cy="0"/>
+        </a:xfrm>
+      </p:grpSpPr>
+      <p:sp>
+        <p:nvSpPr>
+          <p:cNvPr id="2" name="Title 1">
+            <a:extLst>
+              <a:ext uri="{FF2B5EF4-FFF2-40B4-BE49-F238E27FC236}">
                 <a16:creationId xmlns:a16="http://schemas.microsoft.com/office/drawing/2014/main" id="{FC752C68-903E-4B1B-B54E-B264F6F79270}"/>
               </a:ext>
             </a:extLst>
@@ -5692,7 +6068,7 @@
 </p:sld>
 </file>
 
-<file path=ppt/slides/slide24.xml><?xml version="1.0" encoding="utf-8"?>
+<file path=ppt/slides/slide28.xml><?xml version="1.0" encoding="utf-8"?>
 <p:sld xmlns:a="http://schemas.openxmlformats.org/drawingml/2006/main" xmlns:r="http://schemas.openxmlformats.org/officeDocument/2006/relationships" xmlns:p="http://schemas.openxmlformats.org/presentationml/2006/main">
   <p:cSld>
     <p:spTree>

--- a/Presentation_What drives parent’s decisions when choosing a name.pptx
+++ b/Presentation_What drives parent’s decisions when choosing a name.pptx
@@ -4094,11 +4094,54 @@
         </p:blipFill>
         <p:spPr>
           <a:xfrm>
-            <a:off x="2022633" y="1865243"/>
-            <a:ext cx="8146733" cy="4525963"/>
+            <a:off x="277917" y="1896775"/>
+            <a:ext cx="7321064" cy="4067258"/>
           </a:xfrm>
         </p:spPr>
       </p:pic>
+      <p:sp>
+        <p:nvSpPr>
+          <p:cNvPr id="3" name="Rectangle 2">
+            <a:extLst>
+              <a:ext uri="{FF2B5EF4-FFF2-40B4-BE49-F238E27FC236}">
+                <a16:creationId xmlns:a16="http://schemas.microsoft.com/office/drawing/2014/main" id="{C3A2E1B9-D44D-3047-9220-A956636E8E53}"/>
+              </a:ext>
+            </a:extLst>
+          </p:cNvPr>
+          <p:cNvSpPr/>
+          <p:nvPr/>
+        </p:nvSpPr>
+        <p:spPr>
+          <a:xfrm>
+            <a:off x="7924204" y="3007074"/>
+            <a:ext cx="4110140" cy="1754326"/>
+          </a:xfrm>
+          <a:prstGeom prst="rect">
+            <a:avLst/>
+          </a:prstGeom>
+        </p:spPr>
+        <p:txBody>
+          <a:bodyPr wrap="square">
+            <a:spAutoFit/>
+          </a:bodyPr>
+          <a:lstStyle/>
+          <a:p>
+            <a:r>
+              <a:rPr lang="en-US" dirty="0"/>
+              <a:t>Among the top 30 names in the US from 1910-2018, only 3 of them are female names.</a:t>
+            </a:r>
+          </a:p>
+          <a:p>
+            <a:endParaRPr lang="en-US" dirty="0"/>
+          </a:p>
+          <a:p>
+            <a:r>
+              <a:rPr lang="en-US" dirty="0"/>
+              <a:t>This indicates to a greater diversity among female names.</a:t>
+            </a:r>
+          </a:p>
+        </p:txBody>
+      </p:sp>
     </p:spTree>
     <p:extLst>
       <p:ext uri="{BB962C8B-B14F-4D97-AF65-F5344CB8AC3E}">
@@ -4192,11 +4235,45 @@
         </p:blipFill>
         <p:spPr>
           <a:xfrm>
-            <a:off x="2022633" y="1891748"/>
+            <a:off x="99240" y="1417638"/>
             <a:ext cx="8146733" cy="4525963"/>
           </a:xfrm>
         </p:spPr>
       </p:pic>
+      <p:sp>
+        <p:nvSpPr>
+          <p:cNvPr id="4" name="Rectangle 3">
+            <a:extLst>
+              <a:ext uri="{FF2B5EF4-FFF2-40B4-BE49-F238E27FC236}">
+                <a16:creationId xmlns:a16="http://schemas.microsoft.com/office/drawing/2014/main" id="{7E137202-9E6D-1B4A-968B-684C18066850}"/>
+              </a:ext>
+            </a:extLst>
+          </p:cNvPr>
+          <p:cNvSpPr/>
+          <p:nvPr/>
+        </p:nvSpPr>
+        <p:spPr>
+          <a:xfrm>
+            <a:off x="8692054" y="3007074"/>
+            <a:ext cx="3342289" cy="1477328"/>
+          </a:xfrm>
+          <a:prstGeom prst="rect">
+            <a:avLst/>
+          </a:prstGeom>
+        </p:spPr>
+        <p:txBody>
+          <a:bodyPr wrap="square">
+            <a:spAutoFit/>
+          </a:bodyPr>
+          <a:lstStyle/>
+          <a:p>
+            <a:r>
+              <a:rPr lang="en-US" dirty="0"/>
+              <a:t>Diversity in the names increases throughout the decades, although female names remain more diverse than male names.</a:t>
+            </a:r>
+          </a:p>
+        </p:txBody>
+      </p:sp>
     </p:spTree>
     <p:extLst>
       <p:ext uri="{BB962C8B-B14F-4D97-AF65-F5344CB8AC3E}">
@@ -4285,11 +4362,45 @@
         </p:blipFill>
         <p:spPr>
           <a:xfrm>
-            <a:off x="2022633" y="1600200"/>
+            <a:off x="0" y="1705304"/>
             <a:ext cx="8146733" cy="4525963"/>
           </a:xfrm>
         </p:spPr>
       </p:pic>
+      <p:sp>
+        <p:nvSpPr>
+          <p:cNvPr id="12" name="Rectangle 11">
+            <a:extLst>
+              <a:ext uri="{FF2B5EF4-FFF2-40B4-BE49-F238E27FC236}">
+                <a16:creationId xmlns:a16="http://schemas.microsoft.com/office/drawing/2014/main" id="{A8686508-832D-A044-8ED3-563651B75775}"/>
+              </a:ext>
+            </a:extLst>
+          </p:cNvPr>
+          <p:cNvSpPr/>
+          <p:nvPr/>
+        </p:nvSpPr>
+        <p:spPr>
+          <a:xfrm>
+            <a:off x="8534398" y="3091157"/>
+            <a:ext cx="3342289" cy="1477328"/>
+          </a:xfrm>
+          <a:prstGeom prst="rect">
+            <a:avLst/>
+          </a:prstGeom>
+        </p:spPr>
+        <p:txBody>
+          <a:bodyPr wrap="square">
+            <a:spAutoFit/>
+          </a:bodyPr>
+          <a:lstStyle/>
+          <a:p>
+            <a:r>
+              <a:rPr lang="en-US" dirty="0"/>
+              <a:t>Diversity in the names increases throughout the decades, although female names remain more diverse than male names.</a:t>
+            </a:r>
+          </a:p>
+        </p:txBody>
+      </p:sp>
     </p:spTree>
     <p:extLst>
       <p:ext uri="{BB962C8B-B14F-4D97-AF65-F5344CB8AC3E}">
@@ -7097,11 +7208,7 @@
             </a:r>
             <a:r>
               <a:rPr lang="en-US" sz="2000" dirty="0"/>
-              <a:t> </a:t>
-            </a:r>
-            <a:r>
-              <a:rPr lang="en-US" sz="2000"/>
-              <a:t>Python library</a:t>
+              <a:t> Python library</a:t>
             </a:r>
           </a:p>
           <a:p>
@@ -7109,12 +7216,8 @@
               <a:buChar char="•"/>
             </a:pPr>
             <a:r>
-              <a:rPr lang="en-US" sz="2400"/>
-              <a:t>Question </a:t>
-            </a:r>
-            <a:r>
               <a:rPr lang="en-US" sz="2400" dirty="0"/>
-              <a:t>3 – relationship of names to popular culture</a:t>
+              <a:t>Question 3 – relationship of names to popular culture</a:t>
             </a:r>
           </a:p>
           <a:p>

--- a/Presentation_What drives parent’s decisions when choosing a name.pptx
+++ b/Presentation_What drives parent’s decisions when choosing a name.pptx
@@ -4369,10 +4369,10 @@
       </p:pic>
       <p:sp>
         <p:nvSpPr>
-          <p:cNvPr id="12" name="Rectangle 11">
-            <a:extLst>
-              <a:ext uri="{FF2B5EF4-FFF2-40B4-BE49-F238E27FC236}">
-                <a16:creationId xmlns:a16="http://schemas.microsoft.com/office/drawing/2014/main" id="{A8686508-832D-A044-8ED3-563651B75775}"/>
+          <p:cNvPr id="13" name="Rectangle 12">
+            <a:extLst>
+              <a:ext uri="{FF2B5EF4-FFF2-40B4-BE49-F238E27FC236}">
+                <a16:creationId xmlns:a16="http://schemas.microsoft.com/office/drawing/2014/main" id="{2CE9F223-D7F4-CD49-88EC-A80F29FFC9E5}"/>
               </a:ext>
             </a:extLst>
           </p:cNvPr>
@@ -4381,8 +4381,8 @@
         </p:nvSpPr>
         <p:spPr>
           <a:xfrm>
-            <a:off x="8534398" y="3091157"/>
-            <a:ext cx="3342289" cy="1477328"/>
+            <a:off x="8692054" y="3007074"/>
+            <a:ext cx="3342289" cy="923330"/>
           </a:xfrm>
           <a:prstGeom prst="rect">
             <a:avLst/>
@@ -4396,7 +4396,7 @@
           <a:p>
             <a:r>
               <a:rPr lang="en-US" dirty="0"/>
-              <a:t>Diversity in the names increases throughout the decades, although female names remain more diverse than male names.</a:t>
+              <a:t>States with large cities have higher number of unique names among females.</a:t>
             </a:r>
           </a:p>
         </p:txBody>
@@ -4489,11 +4489,45 @@
         </p:blipFill>
         <p:spPr>
           <a:xfrm>
-            <a:off x="2022633" y="1600200"/>
+            <a:off x="0" y="1768365"/>
             <a:ext cx="8146733" cy="4525963"/>
           </a:xfrm>
         </p:spPr>
       </p:pic>
+      <p:sp>
+        <p:nvSpPr>
+          <p:cNvPr id="9" name="Rectangle 8">
+            <a:extLst>
+              <a:ext uri="{FF2B5EF4-FFF2-40B4-BE49-F238E27FC236}">
+                <a16:creationId xmlns:a16="http://schemas.microsoft.com/office/drawing/2014/main" id="{2C0332BE-3763-5445-84E0-B69B21C8D31B}"/>
+              </a:ext>
+            </a:extLst>
+          </p:cNvPr>
+          <p:cNvSpPr/>
+          <p:nvPr/>
+        </p:nvSpPr>
+        <p:spPr>
+          <a:xfrm>
+            <a:off x="8692054" y="3007074"/>
+            <a:ext cx="3342289" cy="923330"/>
+          </a:xfrm>
+          <a:prstGeom prst="rect">
+            <a:avLst/>
+          </a:prstGeom>
+        </p:spPr>
+        <p:txBody>
+          <a:bodyPr wrap="square">
+            <a:spAutoFit/>
+          </a:bodyPr>
+          <a:lstStyle/>
+          <a:p>
+            <a:r>
+              <a:rPr lang="en-US" dirty="0"/>
+              <a:t>States with large cities have higher number of unique names among males.</a:t>
+            </a:r>
+          </a:p>
+        </p:txBody>
+      </p:sp>
     </p:spTree>
     <p:extLst>
       <p:ext uri="{BB962C8B-B14F-4D97-AF65-F5344CB8AC3E}">
@@ -4582,11 +4616,45 @@
         </p:blipFill>
         <p:spPr>
           <a:xfrm>
-            <a:off x="2022633" y="1600200"/>
+            <a:off x="0" y="1705304"/>
             <a:ext cx="8146733" cy="4525963"/>
           </a:xfrm>
         </p:spPr>
       </p:pic>
+      <p:sp>
+        <p:nvSpPr>
+          <p:cNvPr id="6" name="Rectangle 5">
+            <a:extLst>
+              <a:ext uri="{FF2B5EF4-FFF2-40B4-BE49-F238E27FC236}">
+                <a16:creationId xmlns:a16="http://schemas.microsoft.com/office/drawing/2014/main" id="{F0503981-CC07-3F44-80F8-9C51CD80F1E2}"/>
+              </a:ext>
+            </a:extLst>
+          </p:cNvPr>
+          <p:cNvSpPr/>
+          <p:nvPr/>
+        </p:nvSpPr>
+        <p:spPr>
+          <a:xfrm>
+            <a:off x="8692054" y="3007074"/>
+            <a:ext cx="3342289" cy="1477328"/>
+          </a:xfrm>
+          <a:prstGeom prst="rect">
+            <a:avLst/>
+          </a:prstGeom>
+        </p:spPr>
+        <p:txBody>
+          <a:bodyPr wrap="square">
+            <a:spAutoFit/>
+          </a:bodyPr>
+          <a:lstStyle/>
+          <a:p>
+            <a:r>
+              <a:rPr lang="en-US" dirty="0"/>
+              <a:t>When we look at unique name rate, we see that actually smaller states have more unique names vs. the number of people in that state.</a:t>
+            </a:r>
+          </a:p>
+        </p:txBody>
+      </p:sp>
     </p:spTree>
     <p:extLst>
       <p:ext uri="{BB962C8B-B14F-4D97-AF65-F5344CB8AC3E}">
@@ -4675,11 +4743,54 @@
         </p:blipFill>
         <p:spPr>
           <a:xfrm>
-            <a:off x="2022633" y="1600200"/>
+            <a:off x="0" y="1768366"/>
             <a:ext cx="8146733" cy="4525963"/>
           </a:xfrm>
         </p:spPr>
       </p:pic>
+      <p:sp>
+        <p:nvSpPr>
+          <p:cNvPr id="6" name="Rectangle 5">
+            <a:extLst>
+              <a:ext uri="{FF2B5EF4-FFF2-40B4-BE49-F238E27FC236}">
+                <a16:creationId xmlns:a16="http://schemas.microsoft.com/office/drawing/2014/main" id="{8A7623B1-3C19-FA41-BECB-8DC2443B1DA4}"/>
+              </a:ext>
+            </a:extLst>
+          </p:cNvPr>
+          <p:cNvSpPr/>
+          <p:nvPr/>
+        </p:nvSpPr>
+        <p:spPr>
+          <a:xfrm>
+            <a:off x="8376744" y="2870439"/>
+            <a:ext cx="3342289" cy="2308324"/>
+          </a:xfrm>
+          <a:prstGeom prst="rect">
+            <a:avLst/>
+          </a:prstGeom>
+        </p:spPr>
+        <p:txBody>
+          <a:bodyPr wrap="square">
+            <a:spAutoFit/>
+          </a:bodyPr>
+          <a:lstStyle/>
+          <a:p>
+            <a:r>
+              <a:rPr lang="en-US" dirty="0"/>
+              <a:t>When we look at unique name rate, we see that actually smaller states have more unique names vs. the number of people in that state.</a:t>
+            </a:r>
+          </a:p>
+          <a:p>
+            <a:endParaRPr lang="en-US" dirty="0"/>
+          </a:p>
+          <a:p>
+            <a:r>
+              <a:rPr lang="en-US" dirty="0"/>
+              <a:t>This has seen both among female and male names.</a:t>
+            </a:r>
+          </a:p>
+        </p:txBody>
+      </p:sp>
     </p:spTree>
     <p:extLst>
       <p:ext uri="{BB962C8B-B14F-4D97-AF65-F5344CB8AC3E}">

--- a/Presentation_What drives parent’s decisions when choosing a name.pptx
+++ b/Presentation_What drives parent’s decisions when choosing a name.pptx
@@ -4381,7 +4381,7 @@
         </p:nvSpPr>
         <p:spPr>
           <a:xfrm>
-            <a:off x="8692054" y="3007074"/>
+            <a:off x="8652297" y="1705304"/>
             <a:ext cx="3342289" cy="923330"/>
           </a:xfrm>
           <a:prstGeom prst="rect">
@@ -4401,6 +4401,42 @@
           </a:p>
         </p:txBody>
       </p:sp>
+      <p:pic>
+        <p:nvPicPr>
+          <p:cNvPr id="15" name="Picture 14" descr="A screenshot of a cell phone&#10;&#10;Description automatically generated">
+            <a:extLst>
+              <a:ext uri="{FF2B5EF4-FFF2-40B4-BE49-F238E27FC236}">
+                <a16:creationId xmlns:a16="http://schemas.microsoft.com/office/drawing/2014/main" id="{755081B7-1E8D-4943-97D0-4C6935F61DC2}"/>
+              </a:ext>
+            </a:extLst>
+          </p:cNvPr>
+          <p:cNvPicPr>
+            <a:picLocks noChangeAspect="1"/>
+          </p:cNvPicPr>
+          <p:nvPr/>
+        </p:nvPicPr>
+        <p:blipFill>
+          <a:blip r:embed="rId3">
+            <a:extLst>
+              <a:ext uri="{28A0092B-C50C-407E-A947-70E740481C1C}">
+                <a14:useLocalDpi xmlns:a14="http://schemas.microsoft.com/office/drawing/2010/main" val="0"/>
+              </a:ext>
+            </a:extLst>
+          </a:blip>
+          <a:stretch>
+            <a:fillRect/>
+          </a:stretch>
+        </p:blipFill>
+        <p:spPr>
+          <a:xfrm>
+            <a:off x="8780391" y="2806589"/>
+            <a:ext cx="2802009" cy="3424678"/>
+          </a:xfrm>
+          <a:prstGeom prst="rect">
+            <a:avLst/>
+          </a:prstGeom>
+        </p:spPr>
+      </p:pic>
     </p:spTree>
     <p:extLst>
       <p:ext uri="{BB962C8B-B14F-4D97-AF65-F5344CB8AC3E}">
@@ -4508,7 +4544,7 @@
         </p:nvSpPr>
         <p:spPr>
           <a:xfrm>
-            <a:off x="8692054" y="3007074"/>
+            <a:off x="8586037" y="1768365"/>
             <a:ext cx="3342289" cy="923330"/>
           </a:xfrm>
           <a:prstGeom prst="rect">
@@ -4528,6 +4564,42 @@
           </a:p>
         </p:txBody>
       </p:sp>
+      <p:pic>
+        <p:nvPicPr>
+          <p:cNvPr id="11" name="Picture 10" descr="A screenshot of a cell phone&#10;&#10;Description automatically generated">
+            <a:extLst>
+              <a:ext uri="{FF2B5EF4-FFF2-40B4-BE49-F238E27FC236}">
+                <a16:creationId xmlns:a16="http://schemas.microsoft.com/office/drawing/2014/main" id="{1AE125F2-5E5A-2547-82AD-55D33DD35A70}"/>
+              </a:ext>
+            </a:extLst>
+          </p:cNvPr>
+          <p:cNvPicPr>
+            <a:picLocks noChangeAspect="1"/>
+          </p:cNvPicPr>
+          <p:nvPr/>
+        </p:nvPicPr>
+        <p:blipFill>
+          <a:blip r:embed="rId3">
+            <a:extLst>
+              <a:ext uri="{28A0092B-C50C-407E-A947-70E740481C1C}">
+                <a14:useLocalDpi xmlns:a14="http://schemas.microsoft.com/office/drawing/2010/main" val="0"/>
+              </a:ext>
+            </a:extLst>
+          </a:blip>
+          <a:stretch>
+            <a:fillRect/>
+          </a:stretch>
+        </p:blipFill>
+        <p:spPr>
+          <a:xfrm>
+            <a:off x="8586037" y="2709994"/>
+            <a:ext cx="2810833" cy="3525451"/>
+          </a:xfrm>
+          <a:prstGeom prst="rect">
+            <a:avLst/>
+          </a:prstGeom>
+        </p:spPr>
+      </p:pic>
     </p:spTree>
     <p:extLst>
       <p:ext uri="{BB962C8B-B14F-4D97-AF65-F5344CB8AC3E}">

--- a/Presentation_What drives parent’s decisions when choosing a name.pptx
+++ b/Presentation_What drives parent’s decisions when choosing a name.pptx
@@ -14,8 +14,8 @@
     <p:sldId id="284" r:id="rId8"/>
     <p:sldId id="269" r:id="rId9"/>
     <p:sldId id="265" r:id="rId10"/>
-    <p:sldId id="270" r:id="rId11"/>
-    <p:sldId id="290" r:id="rId12"/>
+    <p:sldId id="290" r:id="rId11"/>
+    <p:sldId id="270" r:id="rId12"/>
     <p:sldId id="286" r:id="rId13"/>
     <p:sldId id="293" r:id="rId14"/>
     <p:sldId id="294" r:id="rId15"/>
@@ -3902,7 +3902,7 @@
           <p:cNvPr id="2" name="Title 1">
             <a:extLst>
               <a:ext uri="{FF2B5EF4-FFF2-40B4-BE49-F238E27FC236}">
-                <a16:creationId xmlns:a16="http://schemas.microsoft.com/office/drawing/2014/main" id="{786FE2E5-DF8D-4799-8DC3-B8DF8D21F157}"/>
+                <a16:creationId xmlns:a16="http://schemas.microsoft.com/office/drawing/2014/main" id="{53A1D73B-0EA0-4DB3-A3F5-7AAA90CC5939}"/>
               </a:ext>
             </a:extLst>
           </p:cNvPr>
@@ -3915,8 +3915,8 @@
         </p:nvSpPr>
         <p:spPr>
           <a:xfrm>
-            <a:off x="4611756" y="274638"/>
-            <a:ext cx="6970643" cy="1143000"/>
+            <a:off x="4505738" y="274638"/>
+            <a:ext cx="7076661" cy="1143000"/>
           </a:xfrm>
         </p:spPr>
         <p:txBody>
@@ -3930,12 +3930,64 @@
           </a:p>
         </p:txBody>
       </p:sp>
+      <p:sp>
+        <p:nvSpPr>
+          <p:cNvPr id="3" name="Rectangle 2">
+            <a:extLst>
+              <a:ext uri="{FF2B5EF4-FFF2-40B4-BE49-F238E27FC236}">
+                <a16:creationId xmlns:a16="http://schemas.microsoft.com/office/drawing/2014/main" id="{C3A2E1B9-D44D-3047-9220-A956636E8E53}"/>
+              </a:ext>
+            </a:extLst>
+          </p:cNvPr>
+          <p:cNvSpPr/>
+          <p:nvPr/>
+        </p:nvSpPr>
+        <p:spPr>
+          <a:xfrm>
+            <a:off x="7924204" y="3007074"/>
+            <a:ext cx="4110140" cy="2585323"/>
+          </a:xfrm>
+          <a:prstGeom prst="rect">
+            <a:avLst/>
+          </a:prstGeom>
+        </p:spPr>
+        <p:txBody>
+          <a:bodyPr wrap="square">
+            <a:spAutoFit/>
+          </a:bodyPr>
+          <a:lstStyle/>
+          <a:p>
+            <a:r>
+              <a:rPr lang="en-US" dirty="0"/>
+              <a:t>Among the top 30 names in the US from 1910-2018, only 3 of them are female names.</a:t>
+            </a:r>
+          </a:p>
+          <a:p>
+            <a:endParaRPr lang="en-US" dirty="0"/>
+          </a:p>
+          <a:p>
+            <a:r>
+              <a:rPr lang="en-US" dirty="0"/>
+              <a:t>This indicates to a greater diversity among female names.</a:t>
+            </a:r>
+          </a:p>
+          <a:p>
+            <a:endParaRPr lang="en-US" dirty="0"/>
+          </a:p>
+          <a:p>
+            <a:r>
+              <a:rPr lang="en-US" dirty="0"/>
+              <a:t>Additionally, religion had a huge impact in the top noes in the US.</a:t>
+            </a:r>
+          </a:p>
+        </p:txBody>
+      </p:sp>
       <p:pic>
         <p:nvPicPr>
-          <p:cNvPr id="13" name="Content Placeholder 8">
-            <a:extLst>
-              <a:ext uri="{FF2B5EF4-FFF2-40B4-BE49-F238E27FC236}">
-                <a16:creationId xmlns:a16="http://schemas.microsoft.com/office/drawing/2014/main" id="{B6DE728D-1827-4799-A79E-9BB19AC9907F}"/>
+          <p:cNvPr id="7" name="Content Placeholder 6" descr="A screenshot of a cell phone&#10;&#10;Description automatically generated">
+            <a:extLst>
+              <a:ext uri="{FF2B5EF4-FFF2-40B4-BE49-F238E27FC236}">
+                <a16:creationId xmlns:a16="http://schemas.microsoft.com/office/drawing/2014/main" id="{6865D133-73A2-4E4B-A7E5-21722A19599D}"/>
               </a:ext>
             </a:extLst>
           </p:cNvPr>
@@ -3960,51 +4012,15 @@
         </p:blipFill>
         <p:spPr>
           <a:xfrm>
-            <a:off x="529312" y="2127246"/>
-            <a:ext cx="5487650" cy="3658433"/>
-          </a:xfrm>
-        </p:spPr>
-      </p:pic>
-      <p:pic>
-        <p:nvPicPr>
-          <p:cNvPr id="15" name="Content Placeholder 6">
-            <a:extLst>
-              <a:ext uri="{FF2B5EF4-FFF2-40B4-BE49-F238E27FC236}">
-                <a16:creationId xmlns:a16="http://schemas.microsoft.com/office/drawing/2014/main" id="{7A0B9525-F6AE-4917-AC03-79AA7AA77CD8}"/>
-              </a:ext>
-            </a:extLst>
-          </p:cNvPr>
-          <p:cNvPicPr>
-            <a:picLocks noChangeAspect="1"/>
-          </p:cNvPicPr>
-          <p:nvPr/>
-        </p:nvPicPr>
-        <p:blipFill>
-          <a:blip r:embed="rId3">
-            <a:extLst>
-              <a:ext uri="{28A0092B-C50C-407E-A947-70E740481C1C}">
-                <a14:useLocalDpi xmlns:a14="http://schemas.microsoft.com/office/drawing/2010/main" val="0"/>
-              </a:ext>
-            </a:extLst>
-          </a:blip>
-          <a:stretch>
-            <a:fillRect/>
-          </a:stretch>
-        </p:blipFill>
-        <p:spPr>
-          <a:xfrm>
-            <a:off x="6016962" y="2127246"/>
-            <a:ext cx="5487650" cy="3658433"/>
-          </a:xfrm>
-          <a:prstGeom prst="rect">
-            <a:avLst/>
-          </a:prstGeom>
+            <a:off x="91394" y="1944756"/>
+            <a:ext cx="7422590" cy="4288929"/>
+          </a:xfrm>
         </p:spPr>
       </p:pic>
     </p:spTree>
     <p:extLst>
       <p:ext uri="{BB962C8B-B14F-4D97-AF65-F5344CB8AC3E}">
-        <p14:creationId xmlns:p14="http://schemas.microsoft.com/office/powerpoint/2010/main" val="236468331"/>
+        <p14:creationId xmlns:p14="http://schemas.microsoft.com/office/powerpoint/2010/main" val="1633127667"/>
       </p:ext>
     </p:extLst>
   </p:cSld>
@@ -4036,7 +4052,7 @@
           <p:cNvPr id="2" name="Title 1">
             <a:extLst>
               <a:ext uri="{FF2B5EF4-FFF2-40B4-BE49-F238E27FC236}">
-                <a16:creationId xmlns:a16="http://schemas.microsoft.com/office/drawing/2014/main" id="{53A1D73B-0EA0-4DB3-A3F5-7AAA90CC5939}"/>
+                <a16:creationId xmlns:a16="http://schemas.microsoft.com/office/drawing/2014/main" id="{786FE2E5-DF8D-4799-8DC3-B8DF8D21F157}"/>
               </a:ext>
             </a:extLst>
           </p:cNvPr>
@@ -4049,8 +4065,8 @@
         </p:nvSpPr>
         <p:spPr>
           <a:xfrm>
-            <a:off x="4505738" y="274638"/>
-            <a:ext cx="7076661" cy="1143000"/>
+            <a:off x="4611756" y="274638"/>
+            <a:ext cx="6970643" cy="1143000"/>
           </a:xfrm>
         </p:spPr>
         <p:txBody>
@@ -4066,10 +4082,10 @@
       </p:sp>
       <p:pic>
         <p:nvPicPr>
-          <p:cNvPr id="6" name="Content Placeholder 5">
-            <a:extLst>
-              <a:ext uri="{FF2B5EF4-FFF2-40B4-BE49-F238E27FC236}">
-                <a16:creationId xmlns:a16="http://schemas.microsoft.com/office/drawing/2014/main" id="{44CC23BF-5557-462B-A5D1-65DC12322BBE}"/>
+          <p:cNvPr id="13" name="Content Placeholder 8">
+            <a:extLst>
+              <a:ext uri="{FF2B5EF4-FFF2-40B4-BE49-F238E27FC236}">
+                <a16:creationId xmlns:a16="http://schemas.microsoft.com/office/drawing/2014/main" id="{B6DE728D-1827-4799-A79E-9BB19AC9907F}"/>
               </a:ext>
             </a:extLst>
           </p:cNvPr>
@@ -4094,58 +4110,51 @@
         </p:blipFill>
         <p:spPr>
           <a:xfrm>
-            <a:off x="277917" y="1896775"/>
-            <a:ext cx="7321064" cy="4067258"/>
+            <a:off x="529312" y="2127246"/>
+            <a:ext cx="5487650" cy="3658433"/>
           </a:xfrm>
         </p:spPr>
       </p:pic>
-      <p:sp>
-        <p:nvSpPr>
-          <p:cNvPr id="3" name="Rectangle 2">
-            <a:extLst>
-              <a:ext uri="{FF2B5EF4-FFF2-40B4-BE49-F238E27FC236}">
-                <a16:creationId xmlns:a16="http://schemas.microsoft.com/office/drawing/2014/main" id="{C3A2E1B9-D44D-3047-9220-A956636E8E53}"/>
-              </a:ext>
-            </a:extLst>
-          </p:cNvPr>
-          <p:cNvSpPr/>
+      <p:pic>
+        <p:nvPicPr>
+          <p:cNvPr id="15" name="Content Placeholder 6">
+            <a:extLst>
+              <a:ext uri="{FF2B5EF4-FFF2-40B4-BE49-F238E27FC236}">
+                <a16:creationId xmlns:a16="http://schemas.microsoft.com/office/drawing/2014/main" id="{7A0B9525-F6AE-4917-AC03-79AA7AA77CD8}"/>
+              </a:ext>
+            </a:extLst>
+          </p:cNvPr>
+          <p:cNvPicPr>
+            <a:picLocks noChangeAspect="1"/>
+          </p:cNvPicPr>
           <p:nvPr/>
-        </p:nvSpPr>
-        <p:spPr>
-          <a:xfrm>
-            <a:off x="7924204" y="3007074"/>
-            <a:ext cx="4110140" cy="1754326"/>
+        </p:nvPicPr>
+        <p:blipFill>
+          <a:blip r:embed="rId3">
+            <a:extLst>
+              <a:ext uri="{28A0092B-C50C-407E-A947-70E740481C1C}">
+                <a14:useLocalDpi xmlns:a14="http://schemas.microsoft.com/office/drawing/2010/main" val="0"/>
+              </a:ext>
+            </a:extLst>
+          </a:blip>
+          <a:stretch>
+            <a:fillRect/>
+          </a:stretch>
+        </p:blipFill>
+        <p:spPr>
+          <a:xfrm>
+            <a:off x="6016962" y="2127246"/>
+            <a:ext cx="5487650" cy="3658433"/>
           </a:xfrm>
           <a:prstGeom prst="rect">
             <a:avLst/>
           </a:prstGeom>
         </p:spPr>
-        <p:txBody>
-          <a:bodyPr wrap="square">
-            <a:spAutoFit/>
-          </a:bodyPr>
-          <a:lstStyle/>
-          <a:p>
-            <a:r>
-              <a:rPr lang="en-US" dirty="0"/>
-              <a:t>Among the top 30 names in the US from 1910-2018, only 3 of them are female names.</a:t>
-            </a:r>
-          </a:p>
-          <a:p>
-            <a:endParaRPr lang="en-US" dirty="0"/>
-          </a:p>
-          <a:p>
-            <a:r>
-              <a:rPr lang="en-US" dirty="0"/>
-              <a:t>This indicates to a greater diversity among female names.</a:t>
-            </a:r>
-          </a:p>
-        </p:txBody>
-      </p:sp>
+      </p:pic>
     </p:spTree>
     <p:extLst>
       <p:ext uri="{BB962C8B-B14F-4D97-AF65-F5344CB8AC3E}">
-        <p14:creationId xmlns:p14="http://schemas.microsoft.com/office/powerpoint/2010/main" val="1633127667"/>
+        <p14:creationId xmlns:p14="http://schemas.microsoft.com/office/powerpoint/2010/main" val="236468331"/>
       </p:ext>
     </p:extLst>
   </p:cSld>
